--- a/Presentation_nxt.pptx
+++ b/Presentation_nxt.pptx
@@ -204,7 +204,7 @@
             </a:lvl1pPr>
           </a:lstStyle>
           <a:p>
-            <a:endParaRPr lang="en-US"/>
+            <a:endParaRPr lang="en-US" dirty="0"/>
           </a:p>
         </p:txBody>
       </p:sp>
@@ -237,9 +237,9 @@
           <a:p>
             <a:fld id="{761991DB-DEE8-4174-9435-9D9F721C6C6A}" type="datetimeFigureOut">
               <a:rPr lang="en-US"/>
-              <a:t>5/19/2014</a:t>
+              <a:t>5/22/2014</a:t>
             </a:fld>
-            <a:endParaRPr lang="en-US"/>
+            <a:endParaRPr lang="en-US" dirty="0"/>
           </a:p>
         </p:txBody>
       </p:sp>
@@ -272,7 +272,7 @@
           <a:bodyPr vert="horz" lIns="91440" tIns="45720" rIns="91440" bIns="45720" rtlCol="0" anchor="ctr"/>
           <a:lstStyle/>
           <a:p>
-            <a:endParaRPr lang="en-US"/>
+            <a:endParaRPr lang="en-US" dirty="0"/>
           </a:p>
         </p:txBody>
       </p:sp>
@@ -362,7 +362,7 @@
             </a:lvl1pPr>
           </a:lstStyle>
           <a:p>
-            <a:endParaRPr lang="en-US"/>
+            <a:endParaRPr lang="en-US" dirty="0"/>
           </a:p>
         </p:txBody>
       </p:sp>
@@ -395,9 +395,9 @@
           <a:p>
             <a:fld id="{A7666ED7-631A-46AF-B451-227D0A8685A0}" type="slidenum">
               <a:rPr lang="en-US"/>
-              <a:t>‹#›</a:t>
+              <a:t>‹N°›</a:t>
             </a:fld>
-            <a:endParaRPr lang="en-US"/>
+            <a:endParaRPr lang="en-US" dirty="0"/>
           </a:p>
         </p:txBody>
       </p:sp>
@@ -684,11 +684,7 @@
             </a:r>
             <a:r>
               <a:rPr lang="en-US" baseline="0" dirty="0"/>
-              <a:t>Don’t annoy your fellow presenters by accidentally changing their themes. That can happen if you choose a theme Variant from the Design tab, which changes all of the slides in your presentation to that look</a:t>
-            </a:r>
-            <a:r>
-              <a:rPr lang="en-US" baseline="0"/>
-              <a:t>. </a:t>
+              <a:t>Don’t annoy your fellow presenters by accidentally changing their themes. That can happen if you choose a theme Variant from the Design tab, which changes all of the slides in your presentation to that look. </a:t>
             </a:r>
             <a:endParaRPr lang="en-US" dirty="0"/>
           </a:p>
@@ -713,7 +709,7 @@
               <a:rPr lang="en-US"/>
               <a:t>1</a:t>
             </a:fld>
-            <a:endParaRPr lang="en-US"/>
+            <a:endParaRPr lang="en-US" dirty="0"/>
           </a:p>
         </p:txBody>
       </p:sp>
@@ -774,7 +770,7 @@
           <a:bodyPr/>
           <a:lstStyle/>
           <a:p>
-            <a:endParaRPr lang="en-US"/>
+            <a:endParaRPr lang="en-US" dirty="0"/>
           </a:p>
         </p:txBody>
       </p:sp>
@@ -797,7 +793,7 @@
               <a:rPr lang="en-US"/>
               <a:t>10</a:t>
             </a:fld>
-            <a:endParaRPr lang="en-US"/>
+            <a:endParaRPr lang="en-US" dirty="0"/>
           </a:p>
         </p:txBody>
       </p:sp>
@@ -858,7 +854,7 @@
           <a:bodyPr/>
           <a:lstStyle/>
           <a:p>
-            <a:endParaRPr lang="en-US"/>
+            <a:endParaRPr lang="en-US" dirty="0"/>
           </a:p>
         </p:txBody>
       </p:sp>
@@ -881,7 +877,7 @@
               <a:rPr lang="en-US"/>
               <a:t>2</a:t>
             </a:fld>
-            <a:endParaRPr lang="en-US"/>
+            <a:endParaRPr lang="en-US" dirty="0"/>
           </a:p>
         </p:txBody>
       </p:sp>
@@ -942,7 +938,7 @@
           <a:bodyPr/>
           <a:lstStyle/>
           <a:p>
-            <a:endParaRPr lang="en-US"/>
+            <a:endParaRPr lang="en-US" dirty="0"/>
           </a:p>
         </p:txBody>
       </p:sp>
@@ -965,7 +961,7 @@
               <a:rPr lang="en-US"/>
               <a:t>3</a:t>
             </a:fld>
-            <a:endParaRPr lang="en-US"/>
+            <a:endParaRPr lang="en-US" dirty="0"/>
           </a:p>
         </p:txBody>
       </p:sp>
@@ -1684,10 +1680,9 @@
             </a:lvl1pPr>
           </a:lstStyle>
           <a:p>
-            <a:fld id="{5586B75A-687E-405C-8A0B-8D00578BA2C3}" type="datetimeFigureOut">
-              <a:rPr lang="en-US" smtClean="0"/>
-              <a:pPr/>
-              <a:t>5/19/2014</a:t>
+            <a:fld id="{C4926C03-5472-4DFC-B3E3-0764C8E7CEDA}" type="datetime1">
+              <a:rPr lang="en-US" smtClean="0"/>
+              <a:t>5/22/2014</a:t>
             </a:fld>
             <a:endParaRPr lang="en-US" dirty="0"/>
           </a:p>
@@ -1718,6 +1713,10 @@
             </a:lvl1pPr>
           </a:lstStyle>
           <a:p>
+            <a:r>
+              <a:rPr lang="en-US" dirty="0" smtClean="0"/>
+              <a:t>Doumbia Hamdane Duguay </a:t>
+            </a:r>
             <a:endParaRPr lang="en-US" dirty="0"/>
           </a:p>
         </p:txBody>
@@ -1750,7 +1749,7 @@
             <a:fld id="{4FAB73BC-B049-4115-A692-8D63A059BFB8}" type="slidenum">
               <a:rPr lang="en-US" smtClean="0"/>
               <a:pPr/>
-              <a:t>‹#›</a:t>
+              <a:t>‹N°›</a:t>
             </a:fld>
             <a:endParaRPr lang="en-US" dirty="0"/>
           </a:p>
@@ -1879,9 +1878,9 @@
           <a:bodyPr/>
           <a:lstStyle/>
           <a:p>
-            <a:fld id="{5F4E5243-F52A-4D37-9694-EB26C6C31910}" type="datetimeFigureOut">
-              <a:rPr lang="en-US" smtClean="0"/>
-              <a:t>5/19/2014</a:t>
+            <a:fld id="{0306BD8D-003E-4459-A048-DB8E6F979CFB}" type="datetime1">
+              <a:rPr lang="en-US" smtClean="0"/>
+              <a:t>5/22/2014</a:t>
             </a:fld>
             <a:endParaRPr lang="en-US" dirty="0"/>
           </a:p>
@@ -1902,6 +1901,10 @@
           <a:bodyPr/>
           <a:lstStyle/>
           <a:p>
+            <a:r>
+              <a:rPr lang="en-US" dirty="0" smtClean="0"/>
+              <a:t>Doumbia Hamdane Duguay </a:t>
+            </a:r>
             <a:endParaRPr lang="en-US" dirty="0"/>
           </a:p>
         </p:txBody>
@@ -1923,7 +1926,7 @@
           <a:p>
             <a:fld id="{4FAB73BC-B049-4115-A692-8D63A059BFB8}" type="slidenum">
               <a:rPr lang="en-US" smtClean="0"/>
-              <a:t>‹#›</a:t>
+              <a:t>‹N°›</a:t>
             </a:fld>
             <a:endParaRPr lang="en-US" dirty="0"/>
           </a:p>
@@ -2062,9 +2065,9 @@
           <a:bodyPr/>
           <a:lstStyle/>
           <a:p>
-            <a:fld id="{3A77B6E1-634A-48DC-9E8B-D894023267EF}" type="datetimeFigureOut">
-              <a:rPr lang="en-US" smtClean="0"/>
-              <a:t>5/19/2014</a:t>
+            <a:fld id="{8E61ACFB-987D-44A4-8C67-DFBB83DEA645}" type="datetime1">
+              <a:rPr lang="en-US" smtClean="0"/>
+              <a:t>5/22/2014</a:t>
             </a:fld>
             <a:endParaRPr lang="en-US" dirty="0"/>
           </a:p>
@@ -2085,6 +2088,10 @@
           <a:bodyPr/>
           <a:lstStyle/>
           <a:p>
+            <a:r>
+              <a:rPr lang="en-US" dirty="0" smtClean="0"/>
+              <a:t>Doumbia Hamdane Duguay </a:t>
+            </a:r>
             <a:endParaRPr lang="en-US" dirty="0"/>
           </a:p>
         </p:txBody>
@@ -2106,7 +2113,7 @@
           <a:p>
             <a:fld id="{4FAB73BC-B049-4115-A692-8D63A059BFB8}" type="slidenum">
               <a:rPr lang="en-US" smtClean="0"/>
-              <a:t>‹#›</a:t>
+              <a:t>‹N°›</a:t>
             </a:fld>
             <a:endParaRPr lang="en-US" dirty="0"/>
           </a:p>
@@ -2235,9 +2242,9 @@
           <a:bodyPr/>
           <a:lstStyle/>
           <a:p>
-            <a:fld id="{7B2D3E9E-A95C-48F2-B4BF-A71542E0BE9A}" type="datetimeFigureOut">
-              <a:rPr lang="en-US" smtClean="0"/>
-              <a:t>5/19/2014</a:t>
+            <a:fld id="{E83EF813-4331-4642-A98F-B36BE790CDA8}" type="datetime1">
+              <a:rPr lang="en-US" smtClean="0"/>
+              <a:t>5/22/2014</a:t>
             </a:fld>
             <a:endParaRPr lang="en-US" dirty="0"/>
           </a:p>
@@ -2258,6 +2265,10 @@
           <a:bodyPr/>
           <a:lstStyle/>
           <a:p>
+            <a:r>
+              <a:rPr lang="en-US" dirty="0" smtClean="0"/>
+              <a:t>Doumbia Hamdane Duguay </a:t>
+            </a:r>
             <a:endParaRPr lang="en-US" dirty="0"/>
           </a:p>
         </p:txBody>
@@ -2279,7 +2290,7 @@
           <a:p>
             <a:fld id="{4FAB73BC-B049-4115-A692-8D63A059BFB8}" type="slidenum">
               <a:rPr lang="en-US" smtClean="0"/>
-              <a:t>‹#›</a:t>
+              <a:t>‹N°›</a:t>
             </a:fld>
             <a:endParaRPr lang="en-US" dirty="0"/>
           </a:p>
@@ -2494,53 +2505,56 @@
           <a:bodyPr/>
           <a:lstStyle/>
           <a:p>
-            <a:fld id="{5586B75A-687E-405C-8A0B-8D00578BA2C3}" type="datetimeFigureOut">
+            <a:fld id="{DF29918A-C414-464E-B366-B98782307C6A}" type="datetime1">
+              <a:rPr lang="en-US" smtClean="0"/>
+              <a:t>5/22/2014</a:t>
+            </a:fld>
+            <a:endParaRPr lang="en-US" dirty="0"/>
+          </a:p>
+        </p:txBody>
+      </p:sp>
+      <p:sp>
+        <p:nvSpPr>
+          <p:cNvPr id="5" name="Footer Placeholder 4"/>
+          <p:cNvSpPr>
+            <a:spLocks noGrp="1"/>
+          </p:cNvSpPr>
+          <p:nvPr>
+            <p:ph type="ftr" sz="quarter" idx="11"/>
+          </p:nvPr>
+        </p:nvSpPr>
+        <p:spPr/>
+        <p:txBody>
+          <a:bodyPr/>
+          <a:lstStyle/>
+          <a:p>
+            <a:r>
+              <a:rPr lang="en-US" dirty="0" smtClean="0"/>
+              <a:t>Doumbia Hamdane Duguay </a:t>
+            </a:r>
+            <a:endParaRPr lang="en-US" dirty="0"/>
+          </a:p>
+        </p:txBody>
+      </p:sp>
+      <p:sp>
+        <p:nvSpPr>
+          <p:cNvPr id="6" name="Slide Number Placeholder 5"/>
+          <p:cNvSpPr>
+            <a:spLocks noGrp="1"/>
+          </p:cNvSpPr>
+          <p:nvPr>
+            <p:ph type="sldNum" sz="quarter" idx="12"/>
+          </p:nvPr>
+        </p:nvSpPr>
+        <p:spPr/>
+        <p:txBody>
+          <a:bodyPr/>
+          <a:lstStyle/>
+          <a:p>
+            <a:fld id="{4FAB73BC-B049-4115-A692-8D63A059BFB8}" type="slidenum">
               <a:rPr lang="en-US" smtClean="0"/>
               <a:pPr/>
-              <a:t>5/19/2014</a:t>
-            </a:fld>
-            <a:endParaRPr lang="en-US" dirty="0"/>
-          </a:p>
-        </p:txBody>
-      </p:sp>
-      <p:sp>
-        <p:nvSpPr>
-          <p:cNvPr id="5" name="Footer Placeholder 4"/>
-          <p:cNvSpPr>
-            <a:spLocks noGrp="1"/>
-          </p:cNvSpPr>
-          <p:nvPr>
-            <p:ph type="ftr" sz="quarter" idx="11"/>
-          </p:nvPr>
-        </p:nvSpPr>
-        <p:spPr/>
-        <p:txBody>
-          <a:bodyPr/>
-          <a:lstStyle/>
-          <a:p>
-            <a:endParaRPr lang="en-US" dirty="0"/>
-          </a:p>
-        </p:txBody>
-      </p:sp>
-      <p:sp>
-        <p:nvSpPr>
-          <p:cNvPr id="6" name="Slide Number Placeholder 5"/>
-          <p:cNvSpPr>
-            <a:spLocks noGrp="1"/>
-          </p:cNvSpPr>
-          <p:nvPr>
-            <p:ph type="sldNum" sz="quarter" idx="12"/>
-          </p:nvPr>
-        </p:nvSpPr>
-        <p:spPr/>
-        <p:txBody>
-          <a:bodyPr/>
-          <a:lstStyle/>
-          <a:p>
-            <a:fld id="{4FAB73BC-B049-4115-A692-8D63A059BFB8}" type="slidenum">
-              <a:rPr lang="en-US" smtClean="0"/>
-              <a:pPr/>
-              <a:t>‹#›</a:t>
+              <a:t>‹N°›</a:t>
             </a:fld>
             <a:endParaRPr lang="en-US" dirty="0"/>
           </a:p>
@@ -2787,9 +2801,9 @@
           <a:bodyPr/>
           <a:lstStyle/>
           <a:p>
-            <a:fld id="{F12952B5-7A2F-4CC8-B7CE-9234E21C2837}" type="datetimeFigureOut">
-              <a:rPr lang="en-US" smtClean="0"/>
-              <a:t>5/19/2014</a:t>
+            <a:fld id="{8BFADFFC-34CA-4139-B546-014B330DBC1C}" type="datetime1">
+              <a:rPr lang="en-US" smtClean="0"/>
+              <a:t>5/22/2014</a:t>
             </a:fld>
             <a:endParaRPr lang="en-US" dirty="0"/>
           </a:p>
@@ -2810,6 +2824,10 @@
           <a:bodyPr/>
           <a:lstStyle/>
           <a:p>
+            <a:r>
+              <a:rPr lang="en-US" dirty="0" smtClean="0"/>
+              <a:t>Doumbia Hamdane Duguay </a:t>
+            </a:r>
             <a:endParaRPr lang="en-US" dirty="0"/>
           </a:p>
         </p:txBody>
@@ -2831,7 +2849,7 @@
           <a:p>
             <a:fld id="{4FAB73BC-B049-4115-A692-8D63A059BFB8}" type="slidenum">
               <a:rPr lang="en-US" smtClean="0"/>
-              <a:t>‹#›</a:t>
+              <a:t>‹N°›</a:t>
             </a:fld>
             <a:endParaRPr lang="en-US" dirty="0"/>
           </a:p>
@@ -3228,9 +3246,9 @@
           <a:bodyPr/>
           <a:lstStyle/>
           <a:p>
-            <a:fld id="{CE1DA07A-9201-4B4B-BAF2-015AFA30F520}" type="datetimeFigureOut">
-              <a:rPr lang="en-US" smtClean="0"/>
-              <a:t>5/19/2014</a:t>
+            <a:fld id="{B98B4531-ABFA-43D2-AA32-399EDA8B2F0C}" type="datetime1">
+              <a:rPr lang="en-US" smtClean="0"/>
+              <a:t>5/22/2014</a:t>
             </a:fld>
             <a:endParaRPr lang="en-US" dirty="0"/>
           </a:p>
@@ -3251,6 +3269,10 @@
           <a:bodyPr/>
           <a:lstStyle/>
           <a:p>
+            <a:r>
+              <a:rPr lang="en-US" dirty="0" smtClean="0"/>
+              <a:t>Doumbia Hamdane Duguay </a:t>
+            </a:r>
             <a:endParaRPr lang="en-US" dirty="0"/>
           </a:p>
         </p:txBody>
@@ -3272,7 +3294,7 @@
           <a:p>
             <a:fld id="{4FAB73BC-B049-4115-A692-8D63A059BFB8}" type="slidenum">
               <a:rPr lang="en-US" smtClean="0"/>
-              <a:t>‹#›</a:t>
+              <a:t>‹N°›</a:t>
             </a:fld>
             <a:endParaRPr lang="en-US" dirty="0"/>
           </a:p>
@@ -3349,9 +3371,9 @@
           <a:bodyPr/>
           <a:lstStyle/>
           <a:p>
-            <a:fld id="{73D7E00A-486F-4252-8B1D-E32645521F49}" type="datetimeFigureOut">
-              <a:rPr lang="en-US" smtClean="0"/>
-              <a:t>5/19/2014</a:t>
+            <a:fld id="{A36EEFDC-B4D0-4256-AB5E-0D6717370152}" type="datetime1">
+              <a:rPr lang="en-US" smtClean="0"/>
+              <a:t>5/22/2014</a:t>
             </a:fld>
             <a:endParaRPr lang="en-US" dirty="0"/>
           </a:p>
@@ -3372,6 +3394,10 @@
           <a:bodyPr/>
           <a:lstStyle/>
           <a:p>
+            <a:r>
+              <a:rPr lang="en-US" dirty="0" smtClean="0"/>
+              <a:t>Doumbia Hamdane Duguay </a:t>
+            </a:r>
             <a:endParaRPr lang="en-US" dirty="0"/>
           </a:p>
         </p:txBody>
@@ -3393,7 +3419,7 @@
           <a:p>
             <a:fld id="{4FAB73BC-B049-4115-A692-8D63A059BFB8}" type="slidenum">
               <a:rPr lang="en-US" smtClean="0"/>
-              <a:t>‹#›</a:t>
+              <a:t>‹N°›</a:t>
             </a:fld>
             <a:endParaRPr lang="en-US" dirty="0"/>
           </a:p>
@@ -3447,9 +3473,9 @@
           <a:bodyPr/>
           <a:lstStyle/>
           <a:p>
-            <a:fld id="{8DDF5F92-E675-4B36-9A60-69A962A68675}" type="datetimeFigureOut">
-              <a:rPr lang="en-US" smtClean="0"/>
-              <a:t>5/19/2014</a:t>
+            <a:fld id="{59340ADD-C71B-436A-AB54-37BB46DDF150}" type="datetime1">
+              <a:rPr lang="en-US" smtClean="0"/>
+              <a:t>5/22/2014</a:t>
             </a:fld>
             <a:endParaRPr lang="en-US" dirty="0"/>
           </a:p>
@@ -3470,6 +3496,10 @@
           <a:bodyPr/>
           <a:lstStyle/>
           <a:p>
+            <a:r>
+              <a:rPr lang="en-US" dirty="0" smtClean="0"/>
+              <a:t>Doumbia Hamdane Duguay </a:t>
+            </a:r>
             <a:endParaRPr lang="en-US" dirty="0"/>
           </a:p>
         </p:txBody>
@@ -3491,7 +3521,7 @@
           <a:p>
             <a:fld id="{4FAB73BC-B049-4115-A692-8D63A059BFB8}" type="slidenum">
               <a:rPr lang="en-US" smtClean="0"/>
-              <a:t>‹#›</a:t>
+              <a:t>‹N°›</a:t>
             </a:fld>
             <a:endParaRPr lang="en-US" dirty="0"/>
           </a:p>
@@ -3806,9 +3836,9 @@
           <a:bodyPr/>
           <a:lstStyle/>
           <a:p>
-            <a:fld id="{AF6E2C9B-5FA2-460D-9BE7-B0812FC2A6FF}" type="datetimeFigureOut">
-              <a:rPr lang="en-US" smtClean="0"/>
-              <a:t>5/19/2014</a:t>
+            <a:fld id="{CF63D5D8-41B3-4092-86CC-B4EAB06F69DC}" type="datetime1">
+              <a:rPr lang="en-US" smtClean="0"/>
+              <a:t>5/22/2014</a:t>
             </a:fld>
             <a:endParaRPr lang="en-US" dirty="0"/>
           </a:p>
@@ -3829,6 +3859,10 @@
           <a:bodyPr/>
           <a:lstStyle/>
           <a:p>
+            <a:r>
+              <a:rPr lang="en-US" dirty="0" smtClean="0"/>
+              <a:t>Doumbia Hamdane Duguay </a:t>
+            </a:r>
             <a:endParaRPr lang="en-US" dirty="0"/>
           </a:p>
         </p:txBody>
@@ -3861,7 +3895,7 @@
             <a:fld id="{4FAB73BC-B049-4115-A692-8D63A059BFB8}" type="slidenum">
               <a:rPr lang="en-US" smtClean="0"/>
               <a:pPr/>
-              <a:t>‹#›</a:t>
+              <a:t>‹N°›</a:t>
             </a:fld>
             <a:endParaRPr lang="en-US" dirty="0"/>
           </a:p>
@@ -4020,7 +4054,7 @@
           </a:lstStyle>
           <a:p>
             <a:r>
-              <a:rPr lang="en-US" smtClean="0"/>
+              <a:rPr lang="en-US" dirty="0" smtClean="0"/>
               <a:t>Click icon to add picture</a:t>
             </a:r>
             <a:endParaRPr lang="en-US" dirty="0"/>
@@ -4126,10 +4160,9 @@
             </a:lvl1pPr>
           </a:lstStyle>
           <a:p>
-            <a:fld id="{5586B75A-687E-405C-8A0B-8D00578BA2C3}" type="datetimeFigureOut">
-              <a:rPr lang="en-US" smtClean="0"/>
-              <a:pPr/>
-              <a:t>5/19/2014</a:t>
+            <a:fld id="{FF54F7E2-EDCB-490F-8125-070DE89C4A8D}" type="datetime1">
+              <a:rPr lang="en-US" smtClean="0"/>
+              <a:t>5/22/2014</a:t>
             </a:fld>
             <a:endParaRPr lang="en-US" dirty="0"/>
           </a:p>
@@ -4160,6 +4193,10 @@
             </a:lvl1pPr>
           </a:lstStyle>
           <a:p>
+            <a:r>
+              <a:rPr lang="en-US" dirty="0" smtClean="0"/>
+              <a:t>Doumbia Hamdane Duguay </a:t>
+            </a:r>
             <a:endParaRPr lang="en-US" dirty="0"/>
           </a:p>
         </p:txBody>
@@ -4192,7 +4229,7 @@
             <a:fld id="{4FAB73BC-B049-4115-A692-8D63A059BFB8}" type="slidenum">
               <a:rPr lang="en-US" smtClean="0"/>
               <a:pPr/>
-              <a:t>‹#›</a:t>
+              <a:t>‹N°›</a:t>
             </a:fld>
             <a:endParaRPr lang="en-US" dirty="0"/>
           </a:p>
@@ -4364,10 +4401,9 @@
             </a:lvl1pPr>
           </a:lstStyle>
           <a:p>
-            <a:fld id="{5586B75A-687E-405C-8A0B-8D00578BA2C3}" type="datetimeFigureOut">
-              <a:rPr lang="en-US" smtClean="0"/>
-              <a:pPr/>
-              <a:t>5/19/2014</a:t>
+            <a:fld id="{15E37B9D-F6AD-43CC-B270-0600DD948E58}" type="datetime1">
+              <a:rPr lang="en-US" smtClean="0"/>
+              <a:t>5/22/2014</a:t>
             </a:fld>
             <a:endParaRPr lang="en-US" dirty="0"/>
           </a:p>
@@ -4406,6 +4442,10 @@
             </a:lvl1pPr>
           </a:lstStyle>
           <a:p>
+            <a:r>
+              <a:rPr lang="en-US" dirty="0" smtClean="0"/>
+              <a:t>Doumbia Hamdane Duguay </a:t>
+            </a:r>
             <a:endParaRPr lang="en-US" dirty="0"/>
           </a:p>
         </p:txBody>
@@ -4450,7 +4490,7 @@
             <a:fld id="{4FAB73BC-B049-4115-A692-8D63A059BFB8}" type="slidenum">
               <a:rPr lang="en-US" smtClean="0"/>
               <a:pPr/>
-              <a:t>‹#›</a:t>
+              <a:t>‹N°›</a:t>
             </a:fld>
             <a:endParaRPr lang="en-US" dirty="0"/>
           </a:p>
@@ -4480,7 +4520,14 @@
   <p:transition spd="slow">
     <p:push dir="u"/>
   </p:transition>
-  <p:hf sldNum="0" hdr="0" ftr="0" dt="0"/>
+  <p:timing>
+    <p:tnLst>
+      <p:par>
+        <p:cTn id="1" dur="indefinite" restart="never" nodeType="tmRoot"/>
+      </p:par>
+    </p:tnLst>
+  </p:timing>
+  <p:hf sldNum="0" hdr="0" dt="0"/>
   <p:txStyles>
     <p:titleStyle>
       <a:lvl1pPr algn="l" defTabSz="914400" rtl="0" eaLnBrk="1" latinLnBrk="0" hangingPunct="1">
@@ -4824,13 +4871,13 @@
           <a:lstStyle/>
           <a:p>
             <a:r>
-              <a:rPr lang="en-US"/>
+              <a:rPr lang="en-US" dirty="0"/>
               <a:t>ROBOT Mindstorms®</a:t>
             </a:r>
             <a:br>
-              <a:rPr lang="en-US"/>
+              <a:rPr lang="en-US" dirty="0"/>
             </a:br>
-            <a:endParaRPr lang="en-US"/>
+            <a:endParaRPr lang="en-US" dirty="0"/>
           </a:p>
         </p:txBody>
       </p:sp>
@@ -4846,40 +4893,52 @@
         </p:nvSpPr>
         <p:spPr>
           <a:xfrm>
-            <a:off x="666750" y="4206875"/>
-            <a:ext cx="4470506" cy="1646238"/>
+            <a:off x="666750" y="3575810"/>
+            <a:ext cx="10719054" cy="2065136"/>
           </a:xfrm>
         </p:spPr>
         <p:txBody>
           <a:bodyPr>
-            <a:normAutofit fontScale="55000" lnSpcReduction="20000"/>
+            <a:normAutofit fontScale="77500" lnSpcReduction="20000"/>
           </a:bodyPr>
           <a:lstStyle/>
           <a:p>
+            <a:pPr algn="ctr"/>
+            <a:endParaRPr lang="en-US" dirty="0">
+              <a:latin typeface="Algerian" panose="04020705040A02060702" pitchFamily="82" charset="0"/>
+            </a:endParaRPr>
+          </a:p>
+          <a:p>
+            <a:pPr algn="ctr"/>
+            <a:r>
+              <a:rPr lang="en-US" dirty="0" smtClean="0">
+                <a:latin typeface="Algerian" panose="04020705040A02060702" pitchFamily="82" charset="0"/>
+              </a:rPr>
+              <a:t>Master1 Paris Diderot informatique Projet Long </a:t>
+            </a:r>
+            <a:endParaRPr lang="en-US" dirty="0">
+              <a:latin typeface="Algerian" panose="04020705040A02060702" pitchFamily="82" charset="0"/>
+            </a:endParaRPr>
+          </a:p>
+          <a:p>
+            <a:pPr algn="ctr"/>
             <a:r>
               <a:rPr lang="en-US" dirty="0"/>
               <a:t>Yasmine HAMDANE</a:t>
             </a:r>
           </a:p>
           <a:p>
+            <a:pPr algn="ctr"/>
             <a:r>
               <a:rPr lang="en-US" dirty="0"/>
               <a:t>Amadou DOUMBIA</a:t>
             </a:r>
           </a:p>
           <a:p>
+            <a:pPr algn="ctr"/>
             <a:r>
               <a:rPr lang="en-US" dirty="0"/>
               <a:t>Brice DUGUAY</a:t>
-            </a:r>
-          </a:p>
-          <a:p>
-            <a:endParaRPr lang="en-US" dirty="0"/>
-          </a:p>
-          <a:p>
-            <a:r>
-              <a:rPr lang="en-US" dirty="0"/>
-              <a:t>Master informatique</a:t>
             </a:r>
           </a:p>
           <a:p>
@@ -4943,10 +5002,10 @@
           <a:lstStyle/>
           <a:p>
             <a:r>
-              <a:rPr lang="en-US" smtClean="0"/>
+              <a:rPr lang="en-US" dirty="0" smtClean="0"/>
               <a:t>Conclusion</a:t>
             </a:r>
-            <a:endParaRPr lang="en-US"/>
+            <a:endParaRPr lang="en-US" dirty="0"/>
           </a:p>
         </p:txBody>
       </p:sp>
@@ -4982,6 +5041,42 @@
             <a:r>
               <a:rPr lang="fr-FR" dirty="0"/>
               <a:t>Les améliorations qu'on pourrait apporter </a:t>
+            </a:r>
+            <a:endParaRPr lang="en-US" dirty="0"/>
+          </a:p>
+        </p:txBody>
+      </p:sp>
+      <p:sp>
+        <p:nvSpPr>
+          <p:cNvPr id="4" name="Espace réservé du pied de page 3"/>
+          <p:cNvSpPr>
+            <a:spLocks noGrp="1"/>
+          </p:cNvSpPr>
+          <p:nvPr>
+            <p:ph type="ftr" sz="quarter" idx="11"/>
+          </p:nvPr>
+        </p:nvSpPr>
+        <p:spPr>
+          <a:xfrm>
+            <a:off x="685800" y="6581103"/>
+            <a:ext cx="11291552" cy="202193"/>
+          </a:xfrm>
+        </p:spPr>
+        <p:txBody>
+          <a:bodyPr/>
+          <a:lstStyle/>
+          <a:p>
+            <a:r>
+              <a:rPr lang="en-US" dirty="0" smtClean="0"/>
+              <a:t>Doumbia Hamdane Duguay</a:t>
+            </a:r>
+            <a:r>
+              <a:rPr lang="en-US" dirty="0"/>
+              <a:t>    </a:t>
+            </a:r>
+            <a:r>
+              <a:rPr lang="en-US" dirty="0" smtClean="0"/>
+              <a:t>		git@moule.informatique.univ-paris-diderot.fr:duguay/mindstorm-projet-long.git 				Projet LONG</a:t>
             </a:r>
             <a:endParaRPr lang="en-US" dirty="0"/>
           </a:p>
@@ -5000,6 +5095,13 @@
   <p:transition spd="slow">
     <p:push dir="u"/>
   </p:transition>
+  <p:timing>
+    <p:tnLst>
+      <p:par>
+        <p:cTn id="1" dur="indefinite" restart="never" nodeType="tmRoot"/>
+      </p:par>
+    </p:tnLst>
+  </p:timing>
 </p:sld>
 </file>
 
@@ -5037,7 +5139,7 @@
           <a:p>
             <a:pPr algn="ctr"/>
             <a:r>
-              <a:rPr lang="en-US" sz="7200"/>
+              <a:rPr lang="en-US" sz="7200" dirty="0"/>
               <a:t>Plan</a:t>
             </a:r>
           </a:p>
@@ -5120,7 +5222,25 @@
               <a:rPr lang="en-US" dirty="0">
                 <a:latin typeface="Calibri Light" charset="0"/>
               </a:rPr>
-              <a:t>du projets .</a:t>
+              <a:t>du </a:t>
+            </a:r>
+            <a:r>
+              <a:rPr lang="fr-WINDIES" dirty="0" smtClean="0">
+                <a:latin typeface="Calibri Light" charset="0"/>
+              </a:rPr>
+              <a:t>projets</a:t>
+            </a:r>
+            <a:r>
+              <a:rPr lang="en-US" dirty="0" smtClean="0">
+                <a:latin typeface="Calibri Light" charset="0"/>
+              </a:rPr>
+              <a:t> </a:t>
+            </a:r>
+            <a:r>
+              <a:rPr lang="en-US" dirty="0">
+                <a:latin typeface="Calibri Light" charset="0"/>
+              </a:rPr>
+              <a:t>.</a:t>
             </a:r>
             <a:r>
               <a:rPr lang="fr-FR" dirty="0">
@@ -5138,11 +5258,20 @@
               <a:buAutoNum type="arabicPeriod"/>
             </a:pPr>
             <a:r>
-              <a:rPr lang="en-US" dirty="0">
-                <a:latin typeface="Calibri Light" charset="0"/>
-              </a:rPr>
-              <a:t>Programmation.</a:t>
-            </a:r>
+              <a:rPr lang="fr-FR" dirty="0" smtClean="0">
+                <a:latin typeface="Calibri Light" charset="0"/>
+              </a:rPr>
+              <a:t>Programmation</a:t>
+            </a:r>
+            <a:r>
+              <a:rPr lang="en-US" dirty="0" smtClean="0">
+                <a:latin typeface="Calibri Light" charset="0"/>
+              </a:rPr>
+              <a:t>.</a:t>
+            </a:r>
+            <a:endParaRPr lang="en-US" dirty="0">
+              <a:latin typeface="Calibri Light" charset="0"/>
+            </a:endParaRPr>
           </a:p>
           <a:p>
             <a:pPr marL="457200" indent="-457200">
@@ -5153,6 +5282,42 @@
               <a:rPr lang="en-US" dirty="0"/>
               <a:t>Conclusion.</a:t>
             </a:r>
+          </a:p>
+        </p:txBody>
+      </p:sp>
+      <p:sp>
+        <p:nvSpPr>
+          <p:cNvPr id="5" name="Espace réservé du pied de page 3"/>
+          <p:cNvSpPr>
+            <a:spLocks noGrp="1"/>
+          </p:cNvSpPr>
+          <p:nvPr>
+            <p:ph type="ftr" sz="quarter" idx="11"/>
+          </p:nvPr>
+        </p:nvSpPr>
+        <p:spPr>
+          <a:xfrm>
+            <a:off x="685800" y="6581103"/>
+            <a:ext cx="11291552" cy="202193"/>
+          </a:xfrm>
+        </p:spPr>
+        <p:txBody>
+          <a:bodyPr/>
+          <a:lstStyle/>
+          <a:p>
+            <a:r>
+              <a:rPr lang="en-US" dirty="0" smtClean="0"/>
+              <a:t>Doumbia Hamdane Duguay</a:t>
+            </a:r>
+            <a:r>
+              <a:rPr lang="en-US" dirty="0"/>
+              <a:t>    </a:t>
+            </a:r>
+            <a:r>
+              <a:rPr lang="en-US" dirty="0" smtClean="0"/>
+              <a:t>		git@moule.informatique.univ-paris-diderot.fr:duguay/mindstorm-projet-long.git 				Projet LONG</a:t>
+            </a:r>
+            <a:endParaRPr lang="en-US" dirty="0"/>
           </a:p>
         </p:txBody>
       </p:sp>
@@ -5243,28 +5408,28 @@
               <a:buAutoNum type="arabicPeriod"/>
             </a:pPr>
             <a:r>
-              <a:rPr lang="en-US" sz="2600" dirty="0"/>
+              <a:rPr lang="fr-FR" sz="2600" dirty="0" smtClean="0"/>
               <a:t>Présentation du robot </a:t>
             </a:r>
             <a:r>
-              <a:rPr lang="en-US" sz="2600" dirty="0">
+              <a:rPr lang="fr-FR" sz="2600" dirty="0" smtClean="0">
                 <a:latin typeface="Calibri Light" charset="0"/>
               </a:rPr>
               <a:t>Mindstorms® </a:t>
             </a:r>
-            <a:endParaRPr lang="en-US" dirty="0">
+            <a:endParaRPr lang="fr-FR" dirty="0" smtClean="0">
               <a:latin typeface="Calibri Light" charset="0"/>
             </a:endParaRPr>
           </a:p>
           <a:p>
             <a:pPr lvl="4"/>
             <a:r>
-              <a:rPr lang="en-US" i="1" dirty="0">
+              <a:rPr lang="fr-FR" i="1" dirty="0" smtClean="0">
                 <a:latin typeface="Calibri Light" charset="0"/>
               </a:rPr>
               <a:t>Son intêret</a:t>
             </a:r>
-            <a:endParaRPr lang="en-US" dirty="0">
+            <a:endParaRPr lang="fr-FR" dirty="0" smtClean="0">
               <a:latin typeface="Calibri Light" charset="0"/>
             </a:endParaRPr>
           </a:p>
@@ -5274,7 +5439,7 @@
               <a:buAutoNum type="arabicPeriod"/>
             </a:pPr>
             <a:r>
-              <a:rPr lang="en-US" sz="2400" dirty="0">
+              <a:rPr lang="fr-FR" sz="2400" dirty="0" smtClean="0">
                 <a:latin typeface="Calibri Light" charset="0"/>
               </a:rPr>
               <a:t>But du Projet</a:t>
@@ -5284,7 +5449,7 @@
             <a:pPr marL="4572" lvl="1" indent="0">
               <a:buNone/>
             </a:pPr>
-            <a:endParaRPr lang="en-US" dirty="0">
+            <a:endParaRPr lang="fr-FR" dirty="0" smtClean="0">
               <a:latin typeface="Calibri Light" charset="0"/>
             </a:endParaRPr>
           </a:p>
@@ -5292,15 +5457,26 @@
             <a:pPr marL="4572" lvl="1" indent="0">
               <a:buNone/>
             </a:pPr>
-            <a:endParaRPr lang="en-US" sz="2400" dirty="0">
-              <a:latin typeface="Calibri Light" charset="0"/>
-            </a:endParaRPr>
+            <a:r>
+              <a:rPr lang="fr-FR" sz="2400" dirty="0" smtClean="0">
+                <a:latin typeface="Calibri Light" charset="0"/>
+              </a:rPr>
+              <a:t>3.     Prise En  main Lejos</a:t>
+            </a:r>
           </a:p>
           <a:p>
             <a:pPr marL="4572" lvl="1" indent="0">
               <a:buNone/>
             </a:pPr>
-            <a:endParaRPr lang="en-US" sz="2400" dirty="0">
+            <a:endParaRPr lang="fr-FR" sz="2400" dirty="0" smtClean="0">
+              <a:latin typeface="Calibri Light" charset="0"/>
+            </a:endParaRPr>
+          </a:p>
+          <a:p>
+            <a:pPr marL="4572" lvl="1" indent="0">
+              <a:buNone/>
+            </a:pPr>
+            <a:endParaRPr lang="fr-FR" sz="2400" dirty="0">
               <a:latin typeface="Calibri Light" charset="0"/>
             </a:endParaRPr>
           </a:p>
@@ -5345,6 +5521,42 @@
           </a:effectLst>
         </p:spPr>
       </p:pic>
+      <p:sp>
+        <p:nvSpPr>
+          <p:cNvPr id="6" name="Espace réservé du pied de page 3"/>
+          <p:cNvSpPr>
+            <a:spLocks noGrp="1"/>
+          </p:cNvSpPr>
+          <p:nvPr>
+            <p:ph type="ftr" sz="quarter" idx="11"/>
+          </p:nvPr>
+        </p:nvSpPr>
+        <p:spPr>
+          <a:xfrm>
+            <a:off x="685800" y="6581103"/>
+            <a:ext cx="11291552" cy="202193"/>
+          </a:xfrm>
+        </p:spPr>
+        <p:txBody>
+          <a:bodyPr/>
+          <a:lstStyle/>
+          <a:p>
+            <a:r>
+              <a:rPr lang="en-US" dirty="0" smtClean="0"/>
+              <a:t>Doumbia Hamdane Duguay</a:t>
+            </a:r>
+            <a:r>
+              <a:rPr lang="en-US" dirty="0"/>
+              <a:t>    </a:t>
+            </a:r>
+            <a:r>
+              <a:rPr lang="en-US" dirty="0" smtClean="0"/>
+              <a:t>		git@moule.informatique.univ-paris-diderot.fr:duguay/mindstorm-projet-long.git 				Projet LONG</a:t>
+            </a:r>
+            <a:endParaRPr lang="en-US" dirty="0"/>
+          </a:p>
+        </p:txBody>
+      </p:sp>
     </p:spTree>
     <p:extLst>
       <p:ext uri="{BB962C8B-B14F-4D97-AF65-F5344CB8AC3E}">
@@ -5401,13 +5613,13 @@
           <a:lstStyle/>
           <a:p>
             <a:r>
-              <a:rPr lang="en-US"/>
-              <a:t>Les grandes fonctionnaités du robot</a:t>
+              <a:rPr lang="fr-FR" dirty="0" smtClean="0"/>
+              <a:t>Les grandes fonctionnalités du robot</a:t>
             </a:r>
             <a:br>
-              <a:rPr lang="en-US"/>
+              <a:rPr lang="fr-FR" dirty="0" smtClean="0"/>
             </a:br>
-            <a:endParaRPr lang="en-US"/>
+            <a:endParaRPr lang="fr-FR" dirty="0"/>
           </a:p>
         </p:txBody>
       </p:sp>
@@ -5425,24 +5637,13 @@
         <p:txBody>
           <a:bodyPr/>
           <a:lstStyle/>
-          <a:p>
-            <a:pPr marL="0" indent="0">
-              <a:buNone/>
-            </a:pPr>
-            <a:endParaRPr lang="fr-FR">
-              <a:solidFill>
-                <a:srgbClr val="262626"/>
-              </a:solidFill>
-              <a:latin typeface="Calibri Light"/>
-            </a:endParaRPr>
-          </a:p>
           <a:p>
             <a:pPr marL="457200" indent="-457200">
               <a:buFont typeface="+mj-lt"/>
               <a:buAutoNum type="arabicPeriod"/>
             </a:pPr>
             <a:r>
-              <a:rPr lang="fr-FR">
+              <a:rPr lang="fr-FR" dirty="0" smtClean="0">
                 <a:solidFill>
                   <a:srgbClr val="262626"/>
                 </a:solidFill>
@@ -5457,7 +5658,7 @@
               <a:buAutoNum type="arabicPeriod"/>
             </a:pPr>
             <a:r>
-              <a:rPr lang="fr-FR">
+              <a:rPr lang="fr-FR" dirty="0" smtClean="0">
                 <a:solidFill>
                   <a:srgbClr val="262626"/>
                 </a:solidFill>
@@ -5472,7 +5673,7 @@
               <a:buAutoNum type="arabicPeriod"/>
             </a:pPr>
             <a:r>
-              <a:rPr lang="fr-FR">
+              <a:rPr lang="fr-FR" dirty="0" smtClean="0">
                 <a:solidFill>
                   <a:srgbClr val="262626"/>
                 </a:solidFill>
@@ -5487,13 +5688,13 @@
               <a:buAutoNum type="arabicPeriod"/>
             </a:pPr>
             <a:r>
-              <a:rPr lang="fr-FR">
+              <a:rPr lang="fr-FR" dirty="0" smtClean="0">
                 <a:solidFill>
                   <a:srgbClr val="262626"/>
                 </a:solidFill>
                 <a:latin typeface="Calibri Light" charset="0"/>
               </a:rPr>
-              <a:t>Le déplacer vers un emplacement délimité par une ligne noire</a:t>
+              <a:t>Poser à la maison</a:t>
             </a:r>
           </a:p>
           <a:p>
@@ -5502,13 +5703,13 @@
               <a:buAutoNum type="arabicPeriod"/>
             </a:pPr>
             <a:r>
-              <a:rPr lang="fr-FR">
+              <a:rPr lang="fr-FR" dirty="0" smtClean="0">
                 <a:solidFill>
                   <a:srgbClr val="262626"/>
                 </a:solidFill>
                 <a:latin typeface="Calibri Light" charset="0"/>
               </a:rPr>
-              <a:t>Relacher le palet</a:t>
+              <a:t>Relâcher le palet</a:t>
             </a:r>
           </a:p>
           <a:p>
@@ -5517,20 +5718,94 @@
               <a:buAutoNum type="arabicPeriod"/>
             </a:pPr>
             <a:r>
-              <a:rPr lang="fr-FR">
+              <a:rPr lang="fr-FR" dirty="0" smtClean="0">
                 <a:solidFill>
                   <a:srgbClr val="262626"/>
                 </a:solidFill>
                 <a:latin typeface="Calibri Light" charset="0"/>
               </a:rPr>
-              <a:t>Retourner sur le tapis pour récuperer d'autres palets</a:t>
-            </a:r>
-            <a:endParaRPr lang="en-US">
+              <a:t>Retourner sur le tapis pour récupérer d'autres palets</a:t>
+            </a:r>
+          </a:p>
+          <a:p>
+            <a:pPr marL="457200" indent="-457200">
+              <a:buFont typeface="+mj-lt"/>
+              <a:buAutoNum type="arabicPeriod"/>
+            </a:pPr>
+            <a:r>
+              <a:rPr lang="fr-FR" dirty="0" smtClean="0">
+                <a:solidFill>
+                  <a:srgbClr val="262626"/>
+                </a:solidFill>
+                <a:latin typeface="Calibri Light" charset="0"/>
+              </a:rPr>
+              <a:t>Resource- Orientation. </a:t>
+            </a:r>
+          </a:p>
+          <a:p>
+            <a:pPr marL="457200" indent="-457200">
+              <a:buFont typeface="+mj-lt"/>
+              <a:buAutoNum type="arabicPeriod"/>
+            </a:pPr>
+            <a:r>
+              <a:rPr lang="fr-FR" dirty="0" smtClean="0">
+                <a:solidFill>
+                  <a:srgbClr val="262626"/>
+                </a:solidFill>
+                <a:latin typeface="Calibri Light" charset="0"/>
+              </a:rPr>
+              <a:t>Aller à une couleur données </a:t>
+            </a:r>
+            <a:endParaRPr lang="fr-FR" dirty="0" smtClean="0">
               <a:solidFill>
                 <a:srgbClr val="262626"/>
               </a:solidFill>
               <a:latin typeface="Calibri Light" charset="0"/>
             </a:endParaRPr>
+          </a:p>
+        </p:txBody>
+      </p:sp>
+      <p:sp>
+        <p:nvSpPr>
+          <p:cNvPr id="5" name="Espace réservé du pied de page 3"/>
+          <p:cNvSpPr>
+            <a:spLocks noGrp="1"/>
+          </p:cNvSpPr>
+          <p:nvPr>
+            <p:ph type="ftr" sz="quarter" idx="11"/>
+          </p:nvPr>
+        </p:nvSpPr>
+        <p:spPr>
+          <a:xfrm>
+            <a:off x="685800" y="6581103"/>
+            <a:ext cx="11291552" cy="202193"/>
+          </a:xfrm>
+        </p:spPr>
+        <p:txBody>
+          <a:bodyPr/>
+          <a:lstStyle/>
+          <a:p>
+            <a:r>
+              <a:rPr lang="en-US" dirty="0" smtClean="0"/>
+              <a:t>Doumbia Hamdane Duguay</a:t>
+            </a:r>
+            <a:r>
+              <a:rPr lang="en-US" dirty="0"/>
+              <a:t>    </a:t>
+            </a:r>
+            <a:r>
+              <a:rPr lang="en-US" dirty="0" smtClean="0"/>
+              <a:t>		</a:t>
+            </a:r>
+            <a:r>
+              <a:rPr lang="en-US" dirty="0" err="1" smtClean="0"/>
+              <a:t>git@moule.informatique.univ-paris-diderot.fr:duguay</a:t>
+            </a:r>
+            <a:r>
+              <a:rPr lang="en-US" dirty="0" smtClean="0"/>
+              <a:t>/mindstorm-projet-long.git 				Projet LONG</a:t>
+            </a:r>
+            <a:endParaRPr lang="en-US" dirty="0"/>
           </a:p>
         </p:txBody>
       </p:sp>
@@ -5547,6 +5822,13 @@
   <p:transition spd="slow">
     <p:push dir="u"/>
   </p:transition>
+  <p:timing>
+    <p:tnLst>
+      <p:par>
+        <p:cTn id="1" dur="indefinite" restart="never" nodeType="tmRoot"/>
+      </p:par>
+    </p:tnLst>
+  </p:timing>
 </p:sld>
 </file>
 
@@ -5577,80 +5859,93 @@
             <p:ph type="title"/>
           </p:nvPr>
         </p:nvSpPr>
-        <p:spPr/>
-        <p:txBody>
-          <a:bodyPr/>
-          <a:lstStyle/>
-          <a:p>
+        <p:spPr>
+          <a:xfrm>
+            <a:off x="657224" y="499534"/>
+            <a:ext cx="10772775" cy="363352"/>
+          </a:xfrm>
+        </p:spPr>
+        <p:txBody>
+          <a:bodyPr>
+            <a:normAutofit fontScale="90000"/>
+          </a:bodyPr>
+          <a:lstStyle/>
+          <a:p>
+            <a:r>
+              <a:rPr lang="en-US" sz="2400"/>
+              <a:t>Architecture/Conception</a:t>
+            </a:r>
+          </a:p>
+        </p:txBody>
+      </p:sp>
+      <p:sp>
+        <p:nvSpPr>
+          <p:cNvPr id="6" name="Espace réservé du pied de page 3"/>
+          <p:cNvSpPr>
+            <a:spLocks noGrp="1"/>
+          </p:cNvSpPr>
+          <p:nvPr>
+            <p:ph type="ftr" sz="quarter" idx="11"/>
+          </p:nvPr>
+        </p:nvSpPr>
+        <p:spPr>
+          <a:xfrm>
+            <a:off x="685800" y="6581103"/>
+            <a:ext cx="11291552" cy="202193"/>
+          </a:xfrm>
+        </p:spPr>
+        <p:txBody>
+          <a:bodyPr/>
+          <a:lstStyle/>
+          <a:p>
+            <a:r>
+              <a:rPr lang="en-US" dirty="0" smtClean="0"/>
+              <a:t>Doumbia Hamdane Duguay</a:t>
+            </a:r>
             <a:r>
               <a:rPr lang="en-US" dirty="0"/>
-              <a:t>Architecture/Conception</a:t>
-            </a:r>
-          </a:p>
-        </p:txBody>
-      </p:sp>
-      <p:sp>
-        <p:nvSpPr>
-          <p:cNvPr id="3" name="Content Placeholder 2"/>
-          <p:cNvSpPr>
-            <a:spLocks noGrp="1"/>
-          </p:cNvSpPr>
-          <p:nvPr>
-            <p:ph idx="1"/>
-          </p:nvPr>
-        </p:nvSpPr>
-        <p:spPr/>
-        <p:txBody>
-          <a:bodyPr/>
-          <a:lstStyle/>
-          <a:p>
-            <a:endParaRPr lang="en-US" dirty="0">
-              <a:latin typeface="Calibri Light" charset="0"/>
-            </a:endParaRPr>
-          </a:p>
-          <a:p>
-            <a:r>
-              <a:rPr lang="en-US" dirty="0">
-                <a:latin typeface="Calibri Light" charset="0"/>
-              </a:rPr>
-              <a:t>diagramme de classe:</a:t>
-            </a:r>
-          </a:p>
-          <a:p>
-            <a:endParaRPr lang="en-US" dirty="0">
-              <a:latin typeface="Calibri Light" charset="0"/>
-            </a:endParaRPr>
-          </a:p>
-          <a:p>
-            <a:endParaRPr lang="en-US" dirty="0">
-              <a:latin typeface="Calibri Light" charset="0"/>
-            </a:endParaRPr>
-          </a:p>
-          <a:p>
-            <a:endParaRPr lang="en-US" dirty="0">
-              <a:latin typeface="Calibri Light" charset="0"/>
-            </a:endParaRPr>
+              <a:t>    </a:t>
+            </a:r>
+            <a:r>
+              <a:rPr lang="en-US" dirty="0" smtClean="0"/>
+              <a:t>		</a:t>
+            </a:r>
+            <a:r>
+              <a:rPr lang="en-US" dirty="0" err="1" smtClean="0"/>
+              <a:t>git@moule.informatique.univ-paris-diderot.fr:duguay</a:t>
+            </a:r>
+            <a:r>
+              <a:rPr lang="en-US" dirty="0" smtClean="0"/>
+              <a:t>/mindstorm-projet-long.git 				Projet LONG</a:t>
+            </a:r>
+            <a:endParaRPr lang="en-US" dirty="0"/>
           </a:p>
         </p:txBody>
       </p:sp>
       <p:pic>
         <p:nvPicPr>
-          <p:cNvPr id="4" name="Picture 3" descr="Diagramme de classes.png"/>
+          <p:cNvPr id="7" name="Image 6"/>
           <p:cNvPicPr>
             <a:picLocks noChangeAspect="1"/>
           </p:cNvPicPr>
           <p:nvPr/>
         </p:nvPicPr>
         <p:blipFill>
-          <a:blip r:embed="rId3"/>
+          <a:blip r:embed="rId3">
+            <a:extLst>
+              <a:ext uri="{28A0092B-C50C-407E-A947-70E740481C1C}">
+                <a14:useLocalDpi xmlns:a14="http://schemas.microsoft.com/office/drawing/2010/main" val="0"/>
+              </a:ext>
+            </a:extLst>
+          </a:blip>
           <a:stretch>
             <a:fillRect/>
           </a:stretch>
         </p:blipFill>
         <p:spPr>
           <a:xfrm>
-            <a:off x="2288928" y="3182699"/>
-            <a:ext cx="6719137" cy="2891222"/>
+            <a:off x="1085898" y="1107583"/>
+            <a:ext cx="9191443" cy="5473519"/>
           </a:xfrm>
           <a:prstGeom prst="rect">
             <a:avLst/>
@@ -5713,9 +6008,10 @@
           <a:lstStyle/>
           <a:p>
             <a:r>
-              <a:rPr lang="en-US"/>
+              <a:rPr lang="fr-FR" dirty="0" smtClean="0"/>
               <a:t>Conception des composants</a:t>
             </a:r>
+            <a:endParaRPr lang="fr-FR" dirty="0"/>
           </a:p>
         </p:txBody>
       </p:sp>
@@ -5744,8 +6040,8 @@
               <a:buAutoNum type="arabicPeriod"/>
             </a:pPr>
             <a:r>
-              <a:rPr lang="en-US"/>
-              <a:t>Un module reponsable du lancement du robot et du choix de la strategie à suivre </a:t>
+              <a:rPr lang="fr-FR" dirty="0" smtClean="0"/>
+              <a:t>Un module responsable du lancement du robot </a:t>
             </a:r>
           </a:p>
           <a:p>
@@ -5754,22 +6050,9 @@
               <a:buAutoNum type="arabicPeriod"/>
             </a:pPr>
             <a:r>
-              <a:rPr lang="en-US"/>
-              <a:t>Un module responsable d'écouter sans cesse la couleur sur </a:t>
-            </a:r>
-            <a:r>
-              <a:rPr lang="fr-FR"/>
-              <a:t>laquel il </a:t>
-            </a:r>
-            <a:r>
-              <a:rPr lang="en-US"/>
-              <a:t>est, et tester </a:t>
-            </a:r>
-            <a:r>
-              <a:rPr lang="fr-FR"/>
-              <a:t>s'il est bloqué.</a:t>
-            </a:r>
-            <a:endParaRPr lang="en-US"/>
+              <a:rPr lang="fr-FR" dirty="0" smtClean="0"/>
+              <a:t>Cerveau s’occupe du choix de la stratégies à suivre </a:t>
+            </a:r>
           </a:p>
           <a:p>
             <a:pPr marL="457200" indent="-457200">
@@ -5777,16 +6060,8 @@
               <a:buAutoNum type="arabicPeriod"/>
             </a:pPr>
             <a:r>
-              <a:rPr lang="en-US"/>
-              <a:t>Module qui gère </a:t>
-            </a:r>
-            <a:r>
-              <a:rPr lang="en-US"/>
-              <a:t>tous </a:t>
-            </a:r>
-            <a:r>
-              <a:rPr lang="fr-FR"/>
-              <a:t>les mouvement du robots </a:t>
+              <a:rPr lang="fr-FR" dirty="0" smtClean="0"/>
+              <a:t>Un module responsable d'écouter sans cesse la couleur sur laquelle il est, et tester s'il est bloqué.</a:t>
             </a:r>
           </a:p>
           <a:p>
@@ -5795,41 +6070,64 @@
               <a:buAutoNum type="arabicPeriod"/>
             </a:pPr>
             <a:r>
-              <a:rPr lang="en-US"/>
-              <a:t>Module mettant à</a:t>
-            </a:r>
-            <a:r>
-              <a:rPr lang="fr-FR"/>
-              <a:t>jour tous les capteur, et les positions au </a:t>
-            </a:r>
-            <a:r>
-              <a:rPr lang="en-US"/>
-              <a:t>fur </a:t>
-            </a:r>
-            <a:r>
-              <a:rPr lang="fr-FR"/>
-              <a:t>et </a:t>
-            </a:r>
-            <a:r>
-              <a:rPr lang="en-US"/>
-              <a:t>à </a:t>
-            </a:r>
-            <a:r>
-              <a:rPr lang="fr-FR"/>
-              <a:t>mesure</a:t>
-            </a:r>
-            <a:r>
-              <a:rPr lang="en-US"/>
-              <a:t> </a:t>
-            </a:r>
-            <a:r>
-              <a:rPr lang="fr-FR"/>
-              <a:t> que le robot se </a:t>
-            </a:r>
-            <a:r>
-              <a:rPr lang="en-US"/>
-              <a:t>déplace </a:t>
-            </a:r>
+              <a:rPr lang="fr-FR" dirty="0" smtClean="0"/>
+              <a:t>Module qui gère tous les mouvement du robots </a:t>
+            </a:r>
+          </a:p>
+          <a:p>
+            <a:pPr marL="457200" indent="-457200">
+              <a:buFont typeface="+mj-lt"/>
+              <a:buAutoNum type="arabicPeriod"/>
+            </a:pPr>
+            <a:r>
+              <a:rPr lang="fr-FR" dirty="0" smtClean="0"/>
+              <a:t>Module mettant à jour tous les capteur, et les positions au fur et à mesure  que le robot se déplace </a:t>
+            </a:r>
+            <a:endParaRPr lang="fr-FR" dirty="0"/>
+          </a:p>
+        </p:txBody>
+      </p:sp>
+      <p:sp>
+        <p:nvSpPr>
+          <p:cNvPr id="5" name="Espace réservé du pied de page 3"/>
+          <p:cNvSpPr>
+            <a:spLocks noGrp="1"/>
+          </p:cNvSpPr>
+          <p:nvPr>
+            <p:ph type="ftr" sz="quarter" idx="11"/>
+          </p:nvPr>
+        </p:nvSpPr>
+        <p:spPr>
+          <a:xfrm>
+            <a:off x="685800" y="6581103"/>
+            <a:ext cx="11291552" cy="202193"/>
+          </a:xfrm>
+        </p:spPr>
+        <p:txBody>
+          <a:bodyPr/>
+          <a:lstStyle/>
+          <a:p>
+            <a:r>
+              <a:rPr lang="en-US" dirty="0" smtClean="0"/>
+              <a:t>Doumbia Hamdane Duguay</a:t>
+            </a:r>
+            <a:r>
+              <a:rPr lang="en-US" dirty="0"/>
+              <a:t>    </a:t>
+            </a:r>
+            <a:r>
+              <a:rPr lang="en-US" dirty="0" smtClean="0"/>
+              <a:t>		</a:t>
+            </a:r>
+            <a:r>
+              <a:rPr lang="en-US" dirty="0" err="1" smtClean="0"/>
+              <a:t>git@moule.informatique.univ-paris-diderot.fr:duguay</a:t>
+            </a:r>
+            <a:r>
+              <a:rPr lang="en-US" dirty="0" smtClean="0"/>
+              <a:t>/mindstorm-projet-long.git 				Projet LONG</a:t>
+            </a:r>
+            <a:endParaRPr lang="en-US" dirty="0"/>
           </a:p>
         </p:txBody>
       </p:sp>
@@ -5846,6 +6144,13 @@
   <p:transition spd="slow">
     <p:push dir="u"/>
   </p:transition>
+  <p:timing>
+    <p:tnLst>
+      <p:par>
+        <p:cTn id="1" dur="indefinite" restart="never" nodeType="tmRoot"/>
+      </p:par>
+    </p:tnLst>
+  </p:timing>
 </p:sld>
 </file>
 
@@ -5910,9 +6215,69 @@
           <a:p>
             <a:r>
               <a:rPr lang="fr-FR"/>
-              <a:t>Une liste de toutes les métodes était établie, chacun s'est attribué le même nombre de methodes à coder.</a:t>
+              <a:t>Une liste de toutes les </a:t>
+            </a:r>
+            <a:r>
+              <a:rPr lang="fr-FR" smtClean="0"/>
+              <a:t>méthodes </a:t>
+            </a:r>
+            <a:r>
+              <a:rPr lang="fr-FR"/>
+              <a:t>était établie, chacun s'est attribué le même nombre de </a:t>
+            </a:r>
+            <a:r>
+              <a:rPr lang="fr-FR" smtClean="0"/>
+              <a:t>méthodes </a:t>
+            </a:r>
+            <a:r>
+              <a:rPr lang="fr-FR"/>
+              <a:t>à coder.</a:t>
             </a:r>
             <a:endParaRPr lang="en-US"/>
+          </a:p>
+        </p:txBody>
+      </p:sp>
+      <p:sp>
+        <p:nvSpPr>
+          <p:cNvPr id="5" name="Espace réservé du pied de page 3"/>
+          <p:cNvSpPr>
+            <a:spLocks noGrp="1"/>
+          </p:cNvSpPr>
+          <p:nvPr>
+            <p:ph type="ftr" sz="quarter" idx="11"/>
+          </p:nvPr>
+        </p:nvSpPr>
+        <p:spPr>
+          <a:xfrm>
+            <a:off x="685800" y="6581103"/>
+            <a:ext cx="11291552" cy="202193"/>
+          </a:xfrm>
+        </p:spPr>
+        <p:txBody>
+          <a:bodyPr/>
+          <a:lstStyle/>
+          <a:p>
+            <a:r>
+              <a:rPr lang="en-US" dirty="0" smtClean="0"/>
+              <a:t>Doumbia Hamdane Duguay</a:t>
+            </a:r>
+            <a:r>
+              <a:rPr lang="en-US" dirty="0"/>
+              <a:t>    </a:t>
+            </a:r>
+            <a:r>
+              <a:rPr lang="en-US" dirty="0" smtClean="0"/>
+              <a:t>		</a:t>
+            </a:r>
+            <a:r>
+              <a:rPr lang="en-US" dirty="0" err="1" smtClean="0"/>
+              <a:t>git@moule.informatique.univ-paris-diderot.fr:duguay</a:t>
+            </a:r>
+            <a:r>
+              <a:rPr lang="en-US" dirty="0" smtClean="0"/>
+              <a:t>/mindstorm-projet-long.git 				Projet LONG</a:t>
+            </a:r>
+            <a:endParaRPr lang="en-US" dirty="0"/>
           </a:p>
         </p:txBody>
       </p:sp>
@@ -5929,6 +6294,13 @@
   <p:transition spd="slow">
     <p:push dir="u"/>
   </p:transition>
+  <p:timing>
+    <p:tnLst>
+      <p:par>
+        <p:cTn id="1" dur="indefinite" restart="never" nodeType="tmRoot"/>
+      </p:par>
+    </p:tnLst>
+  </p:timing>
 </p:sld>
 </file>
 
@@ -5965,7 +6337,7 @@
           <a:lstStyle/>
           <a:p>
             <a:r>
-              <a:rPr lang="en-US" dirty="0"/>
+              <a:rPr lang="en-US"/>
               <a:t>Programmation</a:t>
             </a:r>
           </a:p>
@@ -6001,7 +6373,19 @@
               <a:rPr lang="fr-FR" dirty="0">
                 <a:latin typeface="Calibri Light" charset="0"/>
               </a:rPr>
-              <a:t>Le langage de programmation utilisé pour notre robot est leJOS, Java pour la plateforme NXT. La</a:t>
+              <a:t>Le langage de programmation utilisé pour notre robot est </a:t>
+            </a:r>
+            <a:r>
+              <a:rPr lang="fr-FR" dirty="0" err="1">
+                <a:latin typeface="Calibri Light" charset="0"/>
+              </a:rPr>
+              <a:t>leJOS</a:t>
+            </a:r>
+            <a:r>
+              <a:rPr lang="fr-FR" dirty="0">
+                <a:latin typeface="Calibri Light" charset="0"/>
+              </a:rPr>
+              <a:t>, Java pour la plateforme NXT. La</a:t>
             </a:r>
             <a:endParaRPr lang="en-US" dirty="0">
               <a:latin typeface="Calibri Light" charset="0"/>
@@ -6067,6 +6451,50 @@
             <a:endParaRPr lang="en-US" dirty="0">
               <a:latin typeface="Calibri Light" charset="0"/>
             </a:endParaRPr>
+          </a:p>
+        </p:txBody>
+      </p:sp>
+      <p:sp>
+        <p:nvSpPr>
+          <p:cNvPr id="5" name="Espace réservé du pied de page 3"/>
+          <p:cNvSpPr>
+            <a:spLocks noGrp="1"/>
+          </p:cNvSpPr>
+          <p:nvPr>
+            <p:ph type="ftr" sz="quarter" idx="11"/>
+          </p:nvPr>
+        </p:nvSpPr>
+        <p:spPr>
+          <a:xfrm>
+            <a:off x="685800" y="6581103"/>
+            <a:ext cx="11291552" cy="202193"/>
+          </a:xfrm>
+        </p:spPr>
+        <p:txBody>
+          <a:bodyPr/>
+          <a:lstStyle/>
+          <a:p>
+            <a:r>
+              <a:rPr lang="en-US" dirty="0" smtClean="0"/>
+              <a:t>Doumbia Hamdane Duguay</a:t>
+            </a:r>
+            <a:r>
+              <a:rPr lang="en-US" dirty="0"/>
+              <a:t>    </a:t>
+            </a:r>
+            <a:r>
+              <a:rPr lang="en-US" dirty="0" smtClean="0"/>
+              <a:t>		</a:t>
+            </a:r>
+            <a:r>
+              <a:rPr lang="en-US" dirty="0" err="1" smtClean="0"/>
+              <a:t>git@moule.informatique.univ-paris-diderot.fr:duguay</a:t>
+            </a:r>
+            <a:r>
+              <a:rPr lang="en-US" dirty="0" smtClean="0"/>
+              <a:t>/mindstorm-projet-long.git 				Projet LONG</a:t>
+            </a:r>
+            <a:endParaRPr lang="en-US" dirty="0"/>
           </a:p>
         </p:txBody>
       </p:sp>
@@ -6529,6 +6957,50 @@
           </a:p>
         </p:txBody>
       </p:sp>
+      <p:sp>
+        <p:nvSpPr>
+          <p:cNvPr id="6" name="Espace réservé du pied de page 3"/>
+          <p:cNvSpPr>
+            <a:spLocks noGrp="1"/>
+          </p:cNvSpPr>
+          <p:nvPr>
+            <p:ph type="ftr" sz="quarter" idx="11"/>
+          </p:nvPr>
+        </p:nvSpPr>
+        <p:spPr>
+          <a:xfrm>
+            <a:off x="685800" y="6581103"/>
+            <a:ext cx="11291552" cy="202193"/>
+          </a:xfrm>
+        </p:spPr>
+        <p:txBody>
+          <a:bodyPr/>
+          <a:lstStyle/>
+          <a:p>
+            <a:r>
+              <a:rPr lang="en-US" dirty="0" smtClean="0"/>
+              <a:t>Doumbia Hamdane Duguay</a:t>
+            </a:r>
+            <a:r>
+              <a:rPr lang="en-US" dirty="0"/>
+              <a:t>    </a:t>
+            </a:r>
+            <a:r>
+              <a:rPr lang="en-US" dirty="0" smtClean="0"/>
+              <a:t>		</a:t>
+            </a:r>
+            <a:r>
+              <a:rPr lang="en-US" dirty="0" err="1" smtClean="0"/>
+              <a:t>git@moule.informatique.univ-paris-diderot.fr:duguay</a:t>
+            </a:r>
+            <a:r>
+              <a:rPr lang="en-US" dirty="0" smtClean="0"/>
+              <a:t>/mindstorm-projet-long.git 				Projet LONG</a:t>
+            </a:r>
+            <a:endParaRPr lang="en-US" dirty="0"/>
+          </a:p>
+        </p:txBody>
+      </p:sp>
     </p:spTree>
     <p:extLst>
       <p:ext uri="{BB962C8B-B14F-4D97-AF65-F5344CB8AC3E}">
@@ -6542,6 +7014,13 @@
   <p:transition spd="slow">
     <p:push dir="u"/>
   </p:transition>
+  <p:timing>
+    <p:tnLst>
+      <p:par>
+        <p:cTn id="1" dur="indefinite" restart="never" nodeType="tmRoot"/>
+      </p:par>
+    </p:tnLst>
+  </p:timing>
 </p:sld>
 </file>
 
@@ -7044,9 +7523,12 @@
 </file>
 
 <file path=customXml/item1.xml><?xml version="1.0" encoding="utf-8"?>
-<p:properties xmlns:p="http://schemas.microsoft.com/office/2006/metadata/properties" xmlns:xsi="http://www.w3.org/2001/XMLSchema-instance" xmlns:pc="http://schemas.microsoft.com/office/infopath/2007/PartnerControls">
-  <documentManagement/>
-</p:properties>
+<?mso-contentType ?>
+<FormTemplates xmlns="http://schemas.microsoft.com/sharepoint/v3/contenttype/forms">
+  <Display>DocumentLibraryForm</Display>
+  <Edit>DocumentLibraryForm</Edit>
+  <New>DocumentLibraryForm</New>
+</FormTemplates>
 </file>
 
 <file path=customXml/item2.xml><?xml version="1.0" encoding="utf-8"?>
@@ -7164,25 +7646,15 @@
 </file>
 
 <file path=customXml/item3.xml><?xml version="1.0" encoding="utf-8"?>
-<?mso-contentType ?>
-<FormTemplates xmlns="http://schemas.microsoft.com/sharepoint/v3/contenttype/forms">
-  <Display>DocumentLibraryForm</Display>
-  <Edit>DocumentLibraryForm</Edit>
-  <New>DocumentLibraryForm</New>
-</FormTemplates>
+<p:properties xmlns:p="http://schemas.microsoft.com/office/2006/metadata/properties" xmlns:xsi="http://www.w3.org/2001/XMLSchema-instance" xmlns:pc="http://schemas.microsoft.com/office/infopath/2007/PartnerControls">
+  <documentManagement/>
+</p:properties>
 </file>
 
 <file path=customXml/itemProps1.xml><?xml version="1.0" encoding="utf-8"?>
-<ds:datastoreItem xmlns:ds="http://schemas.openxmlformats.org/officeDocument/2006/customXml" ds:itemID="{FF71E0A8-DA6F-4DC5-84AA-9AE90625C277}">
+<ds:datastoreItem xmlns:ds="http://schemas.openxmlformats.org/officeDocument/2006/customXml" ds:itemID="{76B64549-C1F2-49EA-8B2D-5EF61BF1CE56}">
   <ds:schemaRefs>
-    <ds:schemaRef ds:uri="http://www.w3.org/XML/1998/namespace"/>
-    <ds:schemaRef ds:uri="http://schemas.microsoft.com/office/infopath/2007/PartnerControls"/>
-    <ds:schemaRef ds:uri="http://schemas.microsoft.com/office/2006/metadata/properties"/>
-    <ds:schemaRef ds:uri="http://schemas.openxmlformats.org/package/2006/metadata/core-properties"/>
-    <ds:schemaRef ds:uri="http://schemas.microsoft.com/office/2006/documentManagement/types"/>
-    <ds:schemaRef ds:uri="http://purl.org/dc/terms/"/>
-    <ds:schemaRef ds:uri="http://purl.org/dc/elements/1.1/"/>
-    <ds:schemaRef ds:uri="http://purl.org/dc/dcmitype/"/>
+    <ds:schemaRef ds:uri="http://schemas.microsoft.com/sharepoint/v3/contenttype/forms"/>
   </ds:schemaRefs>
 </ds:datastoreItem>
 </file>
@@ -7204,9 +7676,16 @@
 </file>
 
 <file path=customXml/itemProps3.xml><?xml version="1.0" encoding="utf-8"?>
-<ds:datastoreItem xmlns:ds="http://schemas.openxmlformats.org/officeDocument/2006/customXml" ds:itemID="{76B64549-C1F2-49EA-8B2D-5EF61BF1CE56}">
+<ds:datastoreItem xmlns:ds="http://schemas.openxmlformats.org/officeDocument/2006/customXml" ds:itemID="{FF71E0A8-DA6F-4DC5-84AA-9AE90625C277}">
   <ds:schemaRefs>
-    <ds:schemaRef ds:uri="http://schemas.microsoft.com/sharepoint/v3/contenttype/forms"/>
+    <ds:schemaRef ds:uri="http://www.w3.org/XML/1998/namespace"/>
+    <ds:schemaRef ds:uri="http://purl.org/dc/elements/1.1/"/>
+    <ds:schemaRef ds:uri="http://purl.org/dc/dcmitype/"/>
+    <ds:schemaRef ds:uri="http://schemas.microsoft.com/office/2006/documentManagement/types"/>
+    <ds:schemaRef ds:uri="http://purl.org/dc/terms/"/>
+    <ds:schemaRef ds:uri="http://schemas.openxmlformats.org/package/2006/metadata/core-properties"/>
+    <ds:schemaRef ds:uri="http://schemas.microsoft.com/office/infopath/2007/PartnerControls"/>
+    <ds:schemaRef ds:uri="http://schemas.microsoft.com/office/2006/metadata/properties"/>
   </ds:schemaRefs>
 </ds:datastoreItem>
 </file>
--- a/Presentation_nxt.pptx
+++ b/Presentation_nxt.pptx
@@ -237,7 +237,7 @@
           <a:p>
             <a:fld id="{761991DB-DEE8-4174-9435-9D9F721C6C6A}" type="datetimeFigureOut">
               <a:rPr lang="en-US"/>
-              <a:t>5/22/2014</a:t>
+              <a:t>5/23/2014</a:t>
             </a:fld>
             <a:endParaRPr lang="en-US" dirty="0"/>
           </a:p>
@@ -1682,7 +1682,7 @@
           <a:p>
             <a:fld id="{C4926C03-5472-4DFC-B3E3-0764C8E7CEDA}" type="datetime1">
               <a:rPr lang="en-US" smtClean="0"/>
-              <a:t>5/22/2014</a:t>
+              <a:t>5/23/2014</a:t>
             </a:fld>
             <a:endParaRPr lang="en-US" dirty="0"/>
           </a:p>
@@ -1880,7 +1880,7 @@
           <a:p>
             <a:fld id="{0306BD8D-003E-4459-A048-DB8E6F979CFB}" type="datetime1">
               <a:rPr lang="en-US" smtClean="0"/>
-              <a:t>5/22/2014</a:t>
+              <a:t>5/23/2014</a:t>
             </a:fld>
             <a:endParaRPr lang="en-US" dirty="0"/>
           </a:p>
@@ -2067,7 +2067,7 @@
           <a:p>
             <a:fld id="{8E61ACFB-987D-44A4-8C67-DFBB83DEA645}" type="datetime1">
               <a:rPr lang="en-US" smtClean="0"/>
-              <a:t>5/22/2014</a:t>
+              <a:t>5/23/2014</a:t>
             </a:fld>
             <a:endParaRPr lang="en-US" dirty="0"/>
           </a:p>
@@ -2244,7 +2244,7 @@
           <a:p>
             <a:fld id="{E83EF813-4331-4642-A98F-B36BE790CDA8}" type="datetime1">
               <a:rPr lang="en-US" smtClean="0"/>
-              <a:t>5/22/2014</a:t>
+              <a:t>5/23/2014</a:t>
             </a:fld>
             <a:endParaRPr lang="en-US" dirty="0"/>
           </a:p>
@@ -2507,7 +2507,7 @@
           <a:p>
             <a:fld id="{DF29918A-C414-464E-B366-B98782307C6A}" type="datetime1">
               <a:rPr lang="en-US" smtClean="0"/>
-              <a:t>5/22/2014</a:t>
+              <a:t>5/23/2014</a:t>
             </a:fld>
             <a:endParaRPr lang="en-US" dirty="0"/>
           </a:p>
@@ -2803,7 +2803,7 @@
           <a:p>
             <a:fld id="{8BFADFFC-34CA-4139-B546-014B330DBC1C}" type="datetime1">
               <a:rPr lang="en-US" smtClean="0"/>
-              <a:t>5/22/2014</a:t>
+              <a:t>5/23/2014</a:t>
             </a:fld>
             <a:endParaRPr lang="en-US" dirty="0"/>
           </a:p>
@@ -3248,7 +3248,7 @@
           <a:p>
             <a:fld id="{B98B4531-ABFA-43D2-AA32-399EDA8B2F0C}" type="datetime1">
               <a:rPr lang="en-US" smtClean="0"/>
-              <a:t>5/22/2014</a:t>
+              <a:t>5/23/2014</a:t>
             </a:fld>
             <a:endParaRPr lang="en-US" dirty="0"/>
           </a:p>
@@ -3373,7 +3373,7 @@
           <a:p>
             <a:fld id="{A36EEFDC-B4D0-4256-AB5E-0D6717370152}" type="datetime1">
               <a:rPr lang="en-US" smtClean="0"/>
-              <a:t>5/22/2014</a:t>
+              <a:t>5/23/2014</a:t>
             </a:fld>
             <a:endParaRPr lang="en-US" dirty="0"/>
           </a:p>
@@ -3475,7 +3475,7 @@
           <a:p>
             <a:fld id="{59340ADD-C71B-436A-AB54-37BB46DDF150}" type="datetime1">
               <a:rPr lang="en-US" smtClean="0"/>
-              <a:t>5/22/2014</a:t>
+              <a:t>5/23/2014</a:t>
             </a:fld>
             <a:endParaRPr lang="en-US" dirty="0"/>
           </a:p>
@@ -3838,7 +3838,7 @@
           <a:p>
             <a:fld id="{CF63D5D8-41B3-4092-86CC-B4EAB06F69DC}" type="datetime1">
               <a:rPr lang="en-US" smtClean="0"/>
-              <a:t>5/22/2014</a:t>
+              <a:t>5/23/2014</a:t>
             </a:fld>
             <a:endParaRPr lang="en-US" dirty="0"/>
           </a:p>
@@ -4162,7 +4162,7 @@
           <a:p>
             <a:fld id="{FF54F7E2-EDCB-490F-8125-070DE89C4A8D}" type="datetime1">
               <a:rPr lang="en-US" smtClean="0"/>
-              <a:t>5/22/2014</a:t>
+              <a:t>5/23/2014</a:t>
             </a:fld>
             <a:endParaRPr lang="en-US" dirty="0"/>
           </a:p>
@@ -4403,7 +4403,7 @@
           <a:p>
             <a:fld id="{15E37B9D-F6AD-43CC-B270-0600DD948E58}" type="datetime1">
               <a:rPr lang="en-US" smtClean="0"/>
-              <a:t>5/22/2014</a:t>
+              <a:t>5/23/2014</a:t>
             </a:fld>
             <a:endParaRPr lang="en-US" dirty="0"/>
           </a:p>
@@ -4865,11 +4865,17 @@
             <p:ph type="ctrTitle"/>
           </p:nvPr>
         </p:nvSpPr>
-        <p:spPr/>
-        <p:txBody>
-          <a:bodyPr/>
-          <a:lstStyle/>
-          <a:p>
+        <p:spPr>
+          <a:xfrm>
+            <a:off x="603504" y="435617"/>
+            <a:ext cx="10782300" cy="3352800"/>
+          </a:xfrm>
+        </p:spPr>
+        <p:txBody>
+          <a:bodyPr/>
+          <a:lstStyle/>
+          <a:p>
+            <a:pPr algn="ctr"/>
             <a:r>
               <a:rPr lang="en-US" dirty="0"/>
               <a:t>ROBOT Mindstorms®</a:t>
@@ -4942,6 +4948,7 @@
             </a:r>
           </a:p>
           <a:p>
+            <a:pPr algn="ctr"/>
             <a:endParaRPr lang="en-US" dirty="0"/>
           </a:p>
         </p:txBody>
@@ -5001,6 +5008,7 @@
           <a:bodyPr/>
           <a:lstStyle/>
           <a:p>
+            <a:pPr algn="ctr"/>
             <a:r>
               <a:rPr lang="en-US" dirty="0" smtClean="0"/>
               <a:t>Conclusion</a:t>
@@ -5019,30 +5027,41 @@
             <p:ph idx="1"/>
           </p:nvPr>
         </p:nvSpPr>
-        <p:spPr/>
-        <p:txBody>
-          <a:bodyPr/>
-          <a:lstStyle/>
-          <a:p>
-            <a:pPr marL="457200" indent="-457200">
-              <a:buFont typeface="+mj-lt"/>
-              <a:buAutoNum type="arabicPeriod"/>
+        <p:spPr>
+          <a:xfrm>
+            <a:off x="2305318" y="1751527"/>
+            <a:ext cx="7881871" cy="4026338"/>
+          </a:xfrm>
+        </p:spPr>
+        <p:txBody>
+          <a:bodyPr/>
+          <a:lstStyle/>
+          <a:p>
+            <a:pPr marL="0" indent="0">
+              <a:buNone/>
             </a:pPr>
-            <a:r>
-              <a:rPr lang="fr-FR" dirty="0"/>
-              <a:t>Ce qu'on a appris</a:t>
-            </a:r>
-          </a:p>
-          <a:p>
-            <a:pPr marL="457200" indent="-457200">
-              <a:buFont typeface="+mj-lt"/>
-              <a:buAutoNum type="arabicPeriod"/>
+            <a:endParaRPr lang="fr-FR" dirty="0" smtClean="0"/>
+          </a:p>
+          <a:p>
+            <a:pPr>
+              <a:buFont typeface="Wingdings" panose="05000000000000000000" pitchFamily="2" charset="2"/>
+              <a:buChar char="§"/>
             </a:pPr>
             <a:r>
-              <a:rPr lang="fr-FR" dirty="0"/>
-              <a:t>Les améliorations qu'on pourrait apporter </a:t>
-            </a:r>
-            <a:endParaRPr lang="en-US" dirty="0"/>
+              <a:rPr lang="fr-FR" dirty="0" smtClean="0"/>
+              <a:t>Bilan du projet </a:t>
+            </a:r>
+          </a:p>
+          <a:p>
+            <a:pPr>
+              <a:buFont typeface="Wingdings" panose="05000000000000000000" pitchFamily="2" charset="2"/>
+              <a:buChar char="§"/>
+            </a:pPr>
+            <a:r>
+              <a:rPr lang="fr-FR" dirty="0" smtClean="0"/>
+              <a:t>Amélioration possible</a:t>
+            </a:r>
+            <a:endParaRPr lang="fr-FR" dirty="0"/>
           </a:p>
         </p:txBody>
       </p:sp>
@@ -5461,8 +5480,23 @@
               <a:rPr lang="fr-FR" sz="2400" dirty="0" smtClean="0">
                 <a:latin typeface="Calibri Light" charset="0"/>
               </a:rPr>
-              <a:t>3.     Prise En  main Lejos</a:t>
-            </a:r>
+              <a:t>3.    </a:t>
+            </a:r>
+            <a:r>
+              <a:rPr lang="fr-FR" sz="2400" dirty="0" smtClean="0">
+                <a:latin typeface="Calibri Light" charset="0"/>
+              </a:rPr>
+              <a:t>Environnement  </a:t>
+            </a:r>
+            <a:r>
+              <a:rPr lang="fr-FR" sz="2400" dirty="0" err="1" smtClean="0">
+                <a:latin typeface="Calibri Light" charset="0"/>
+              </a:rPr>
+              <a:t>Lejos</a:t>
+            </a:r>
+            <a:endParaRPr lang="fr-FR" sz="2400" dirty="0" smtClean="0">
+              <a:latin typeface="Calibri Light" charset="0"/>
+            </a:endParaRPr>
           </a:p>
           <a:p>
             <a:pPr marL="4572" lvl="1" indent="0">
@@ -5756,12 +5790,6 @@
               </a:rPr>
               <a:t>Aller à une couleur données </a:t>
             </a:r>
-            <a:endParaRPr lang="fr-FR" dirty="0" smtClean="0">
-              <a:solidFill>
-                <a:srgbClr val="262626"/>
-              </a:solidFill>
-              <a:latin typeface="Calibri Light" charset="0"/>
-            </a:endParaRPr>
           </a:p>
         </p:txBody>
       </p:sp>
@@ -6051,7 +6079,11 @@
             </a:pPr>
             <a:r>
               <a:rPr lang="fr-FR" dirty="0" smtClean="0"/>
-              <a:t>Cerveau s’occupe du choix de la stratégies à suivre </a:t>
+              <a:t>Un Cerveau qui s’occupe du </a:t>
+            </a:r>
+            <a:r>
+              <a:rPr lang="fr-FR" dirty="0" smtClean="0"/>
+              <a:t>choix de la stratégies à suivre </a:t>
             </a:r>
           </a:p>
           <a:p>
@@ -6061,7 +6093,7 @@
             </a:pPr>
             <a:r>
               <a:rPr lang="fr-FR" dirty="0" smtClean="0"/>
-              <a:t>Un module responsable d'écouter sans cesse la couleur sur laquelle il est, et tester s'il est bloqué.</a:t>
+              <a:t>Un module responsable d'écouter la couleur courante.</a:t>
             </a:r>
           </a:p>
           <a:p>
@@ -6071,7 +6103,19 @@
             </a:pPr>
             <a:r>
               <a:rPr lang="fr-FR" dirty="0" smtClean="0"/>
-              <a:t>Module qui gère tous les mouvement du robots </a:t>
+              <a:t>Module </a:t>
+            </a:r>
+            <a:r>
+              <a:rPr lang="fr-FR" dirty="0" smtClean="0"/>
+              <a:t>qui gère tous les </a:t>
+            </a:r>
+            <a:r>
+              <a:rPr lang="fr-FR" dirty="0" smtClean="0"/>
+              <a:t>mouvements </a:t>
+            </a:r>
+            <a:r>
+              <a:rPr lang="fr-FR" dirty="0" smtClean="0"/>
+              <a:t>du robots </a:t>
             </a:r>
           </a:p>
           <a:p>
@@ -6081,7 +6125,19 @@
             </a:pPr>
             <a:r>
               <a:rPr lang="fr-FR" dirty="0" smtClean="0"/>
-              <a:t>Module mettant à jour tous les capteur, et les positions au fur et à mesure  que le robot se déplace </a:t>
+              <a:t>Module mettant à jour tous les </a:t>
+            </a:r>
+            <a:r>
+              <a:rPr lang="fr-FR" dirty="0" smtClean="0"/>
+              <a:t>capteurs, </a:t>
+            </a:r>
+            <a:r>
+              <a:rPr lang="fr-FR" dirty="0" smtClean="0"/>
+              <a:t>et les positions </a:t>
+            </a:r>
+            <a:r>
+              <a:rPr lang="fr-FR" dirty="0" smtClean="0"/>
+              <a:t>pendant le déplace du robot </a:t>
             </a:r>
             <a:endParaRPr lang="fr-FR" dirty="0"/>
           </a:p>
@@ -6385,7 +6441,7 @@
               <a:rPr lang="fr-FR" dirty="0">
                 <a:latin typeface="Calibri Light" charset="0"/>
               </a:rPr>
-              <a:t>, Java pour la plateforme NXT. La</a:t>
+              <a:t>, Java pour la plateforme NXT. </a:t>
             </a:r>
             <a:endParaRPr lang="en-US" dirty="0">
               <a:latin typeface="Calibri Light" charset="0"/>
@@ -6584,224 +6640,440 @@
           </a:bodyPr>
           <a:lstStyle/>
           <a:p>
-            <a:endParaRPr lang="en-US"/>
-          </a:p>
-          <a:p>
-            <a:r>
-              <a:rPr lang="en-US" sz="1600">
-                <a:latin typeface="Calibri Light" charset="0"/>
-              </a:rPr>
-              <a:t>private void suivreUneLigne() {</a:t>
+            <a:endParaRPr lang="en-US" dirty="0"/>
+          </a:p>
+          <a:p>
+            <a:r>
+              <a:rPr lang="en-US" sz="1600" dirty="0">
+                <a:latin typeface="Calibri Light" charset="0"/>
+              </a:rPr>
+              <a:t>private void </a:t>
+            </a:r>
+            <a:r>
+              <a:rPr lang="en-US" sz="1600" dirty="0" err="1">
+                <a:latin typeface="Calibri Light" charset="0"/>
+              </a:rPr>
+              <a:t>suivreUneLigne</a:t>
+            </a:r>
+            <a:r>
+              <a:rPr lang="en-US" sz="1600" dirty="0">
+                <a:latin typeface="Calibri Light" charset="0"/>
+              </a:rPr>
+              <a:t>() {</a:t>
             </a:r>
             <a:br>
-              <a:rPr lang="en-US" sz="1600">
+              <a:rPr lang="en-US" sz="1600" dirty="0">
                 <a:latin typeface="Calibri Light" charset="0"/>
               </a:rPr>
             </a:br>
             <a:r>
-              <a:rPr lang="en-US" sz="1600">
-                <a:latin typeface="Calibri Light" charset="0"/>
-              </a:rPr>
-              <a:t>        Mouv.setvitesse(10);</a:t>
+              <a:rPr lang="en-US" sz="1600" dirty="0">
+                <a:latin typeface="Calibri Light" charset="0"/>
+              </a:rPr>
+              <a:t>        </a:t>
+            </a:r>
+            <a:r>
+              <a:rPr lang="en-US" sz="1600" dirty="0" err="1">
+                <a:latin typeface="Calibri Light" charset="0"/>
+              </a:rPr>
+              <a:t>Mouv.setvitesse</a:t>
+            </a:r>
+            <a:r>
+              <a:rPr lang="en-US" sz="1600" dirty="0">
+                <a:latin typeface="Calibri Light" charset="0"/>
+              </a:rPr>
+              <a:t>(10);</a:t>
             </a:r>
             <a:br>
-              <a:rPr lang="en-US" sz="1600">
+              <a:rPr lang="en-US" sz="1600" dirty="0">
                 <a:latin typeface="Calibri Light" charset="0"/>
               </a:rPr>
             </a:br>
             <a:r>
-              <a:rPr lang="en-US" sz="1600">
-                <a:latin typeface="Calibri Light" charset="0"/>
-              </a:rPr>
-              <a:t>        int deltaRotation = 5;</a:t>
+              <a:rPr lang="en-US" sz="1600" dirty="0">
+                <a:latin typeface="Calibri Light" charset="0"/>
+              </a:rPr>
+              <a:t>        </a:t>
+            </a:r>
+            <a:r>
+              <a:rPr lang="en-US" sz="1600" dirty="0" err="1">
+                <a:latin typeface="Calibri Light" charset="0"/>
+              </a:rPr>
+              <a:t>int</a:t>
+            </a:r>
+            <a:r>
+              <a:rPr lang="en-US" sz="1600" dirty="0">
+                <a:latin typeface="Calibri Light" charset="0"/>
+              </a:rPr>
+              <a:t> </a:t>
+            </a:r>
+            <a:r>
+              <a:rPr lang="en-US" sz="1600" dirty="0" err="1">
+                <a:latin typeface="Calibri Light" charset="0"/>
+              </a:rPr>
+              <a:t>deltaRotation</a:t>
+            </a:r>
+            <a:r>
+              <a:rPr lang="en-US" sz="1600" dirty="0">
+                <a:latin typeface="Calibri Light" charset="0"/>
+              </a:rPr>
+              <a:t> = 5;</a:t>
             </a:r>
             <a:br>
-              <a:rPr lang="en-US" sz="1600">
+              <a:rPr lang="en-US" sz="1600" dirty="0">
                 <a:latin typeface="Calibri Light" charset="0"/>
               </a:rPr>
             </a:br>
             <a:r>
-              <a:rPr lang="en-US" sz="1600">
-                <a:latin typeface="Calibri Light" charset="0"/>
-              </a:rPr>
-              <a:t>       boolean gauche = true;</a:t>
+              <a:rPr lang="en-US" sz="1600" dirty="0">
+                <a:latin typeface="Calibri Light" charset="0"/>
+              </a:rPr>
+              <a:t>       </a:t>
+            </a:r>
+            <a:r>
+              <a:rPr lang="en-US" sz="1600" dirty="0" err="1">
+                <a:latin typeface="Calibri Light" charset="0"/>
+              </a:rPr>
+              <a:t>boolean</a:t>
+            </a:r>
+            <a:r>
+              <a:rPr lang="en-US" sz="1600" dirty="0">
+                <a:latin typeface="Calibri Light" charset="0"/>
+              </a:rPr>
+              <a:t> gauche = true;</a:t>
             </a:r>
             <a:br>
-              <a:rPr lang="en-US" sz="1600">
+              <a:rPr lang="en-US" sz="1600" dirty="0">
                 <a:latin typeface="Calibri Light" charset="0"/>
               </a:rPr>
             </a:br>
             <a:r>
-              <a:rPr lang="en-US" sz="1600">
-                <a:latin typeface="Calibri Light" charset="0"/>
-              </a:rPr>
-              <a:t>        Couleur couleurinitiale = Mouv.monEcouteurCouleur.getCouleur();</a:t>
+              <a:rPr lang="en-US" sz="1600" dirty="0">
+                <a:latin typeface="Calibri Light" charset="0"/>
+              </a:rPr>
+              <a:t>        </a:t>
+            </a:r>
+            <a:r>
+              <a:rPr lang="en-US" sz="1600" dirty="0" err="1">
+                <a:latin typeface="Calibri Light" charset="0"/>
+              </a:rPr>
+              <a:t>Couleur</a:t>
+            </a:r>
+            <a:r>
+              <a:rPr lang="en-US" sz="1600" dirty="0">
+                <a:latin typeface="Calibri Light" charset="0"/>
+              </a:rPr>
+              <a:t> </a:t>
+            </a:r>
+            <a:r>
+              <a:rPr lang="en-US" sz="1600" dirty="0" err="1">
+                <a:latin typeface="Calibri Light" charset="0"/>
+              </a:rPr>
+              <a:t>couleurinitiale</a:t>
+            </a:r>
+            <a:r>
+              <a:rPr lang="en-US" sz="1600" dirty="0">
+                <a:latin typeface="Calibri Light" charset="0"/>
+              </a:rPr>
+              <a:t> = </a:t>
+            </a:r>
+            <a:r>
+              <a:rPr lang="en-US" sz="1600" dirty="0" err="1">
+                <a:latin typeface="Calibri Light" charset="0"/>
+              </a:rPr>
+              <a:t>Mouv.monEcouteurCouleur.getCouleur</a:t>
+            </a:r>
+            <a:r>
+              <a:rPr lang="en-US" sz="1600" dirty="0">
+                <a:latin typeface="Calibri Light" charset="0"/>
+              </a:rPr>
+              <a:t>();</a:t>
             </a:r>
             <a:br>
-              <a:rPr lang="en-US" sz="1600">
+              <a:rPr lang="en-US" sz="1600" dirty="0">
                 <a:latin typeface="Calibri Light" charset="0"/>
               </a:rPr>
             </a:br>
             <a:r>
-              <a:rPr lang="en-US" sz="1600">
-                <a:latin typeface="Calibri Light" charset="0"/>
-              </a:rPr>
-              <a:t>        while (!Mouv.bump.isPressed()</a:t>
+              <a:rPr lang="en-US" sz="1600" dirty="0">
+                <a:latin typeface="Calibri Light" charset="0"/>
+              </a:rPr>
+              <a:t>        while (!</a:t>
+            </a:r>
+            <a:r>
+              <a:rPr lang="en-US" sz="1600" dirty="0" err="1">
+                <a:latin typeface="Calibri Light" charset="0"/>
+              </a:rPr>
+              <a:t>Mouv.bump.isPressed</a:t>
+            </a:r>
+            <a:r>
+              <a:rPr lang="en-US" sz="1600" dirty="0">
+                <a:latin typeface="Calibri Light" charset="0"/>
+              </a:rPr>
+              <a:t>()</a:t>
             </a:r>
             <a:br>
-              <a:rPr lang="en-US" sz="1600">
+              <a:rPr lang="en-US" sz="1600" dirty="0">
                 <a:latin typeface="Calibri Light" charset="0"/>
               </a:rPr>
             </a:br>
             <a:r>
-              <a:rPr lang="en-US" sz="1600">
-                <a:latin typeface="Calibri Light" charset="0"/>
-              </a:rPr>
-              <a:t>                || Mouv.capteurDistance.getDistance() &gt; 15) {</a:t>
+              <a:rPr lang="en-US" sz="1600" dirty="0">
+                <a:latin typeface="Calibri Light" charset="0"/>
+              </a:rPr>
+              <a:t>                || </a:t>
+            </a:r>
+            <a:r>
+              <a:rPr lang="en-US" sz="1600" dirty="0" err="1">
+                <a:latin typeface="Calibri Light" charset="0"/>
+              </a:rPr>
+              <a:t>Mouv.capteurDistance.getDistance</a:t>
+            </a:r>
+            <a:r>
+              <a:rPr lang="en-US" sz="1600" dirty="0">
+                <a:latin typeface="Calibri Light" charset="0"/>
+              </a:rPr>
+              <a:t>() &gt; 15) {</a:t>
             </a:r>
             <a:br>
-              <a:rPr lang="en-US" sz="1600">
+              <a:rPr lang="en-US" sz="1600" dirty="0">
                 <a:latin typeface="Calibri Light" charset="0"/>
               </a:rPr>
             </a:br>
             <a:r>
-              <a:rPr lang="en-US" sz="1600">
-                <a:latin typeface="Calibri Light" charset="0"/>
-              </a:rPr>
-              <a:t>            if (!Mouv.monEcouteurCouleur.getCouleur().nom</a:t>
+              <a:rPr lang="en-US" sz="1600" dirty="0">
+                <a:latin typeface="Calibri Light" charset="0"/>
+              </a:rPr>
+              <a:t>            if (!</a:t>
+            </a:r>
+            <a:r>
+              <a:rPr lang="en-US" sz="1600" dirty="0" err="1">
+                <a:latin typeface="Calibri Light" charset="0"/>
+              </a:rPr>
+              <a:t>Mouv.monEcouteurCouleur.getCouleur</a:t>
+            </a:r>
+            <a:r>
+              <a:rPr lang="en-US" sz="1600" dirty="0">
+                <a:latin typeface="Calibri Light" charset="0"/>
+              </a:rPr>
+              <a:t>().nom</a:t>
             </a:r>
             <a:br>
-              <a:rPr lang="en-US" sz="1600">
+              <a:rPr lang="en-US" sz="1600" dirty="0">
                 <a:latin typeface="Calibri Light" charset="0"/>
               </a:rPr>
             </a:br>
             <a:r>
-              <a:rPr lang="en-US" sz="1600">
-                <a:latin typeface="Calibri Light" charset="0"/>
-              </a:rPr>
-              <a:t>                    .equals(couleurinitiale.getNom())) {</a:t>
-            </a:r>
-          </a:p>
-          <a:p>
-            <a:r>
-              <a:rPr lang="en-US" sz="1600">
+              <a:rPr lang="en-US" sz="1600" dirty="0">
+                <a:latin typeface="Calibri Light" charset="0"/>
+              </a:rPr>
+              <a:t>                    .equals(</a:t>
+            </a:r>
+            <a:r>
+              <a:rPr lang="en-US" sz="1600" dirty="0" err="1">
+                <a:latin typeface="Calibri Light" charset="0"/>
+              </a:rPr>
+              <a:t>couleurinitiale.getNom</a:t>
+            </a:r>
+            <a:r>
+              <a:rPr lang="en-US" sz="1600" dirty="0">
+                <a:latin typeface="Calibri Light" charset="0"/>
+              </a:rPr>
+              <a:t>())) {</a:t>
+            </a:r>
+          </a:p>
+          <a:p>
+            <a:r>
+              <a:rPr lang="en-US" sz="1600" dirty="0">
                 <a:latin typeface="Calibri Light" charset="0"/>
               </a:rPr>
               <a:t>             if (gauche == true) {</a:t>
             </a:r>
             <a:br>
-              <a:rPr lang="en-US" sz="1600">
+              <a:rPr lang="en-US" sz="1600" dirty="0">
                 <a:latin typeface="Calibri Light" charset="0"/>
               </a:rPr>
             </a:br>
             <a:r>
-              <a:rPr lang="en-US" sz="1600">
-                <a:latin typeface="Calibri Light" charset="0"/>
-              </a:rPr>
-              <a:t>                   rotationGauche(deltaRotation);</a:t>
+              <a:rPr lang="en-US" sz="1600" dirty="0">
+                <a:latin typeface="Calibri Light" charset="0"/>
+              </a:rPr>
+              <a:t>                   </a:t>
+            </a:r>
+            <a:r>
+              <a:rPr lang="en-US" sz="1600" dirty="0" err="1">
+                <a:latin typeface="Calibri Light" charset="0"/>
+              </a:rPr>
+              <a:t>rotationGauche</a:t>
+            </a:r>
+            <a:r>
+              <a:rPr lang="en-US" sz="1600" dirty="0">
+                <a:latin typeface="Calibri Light" charset="0"/>
+              </a:rPr>
+              <a:t>(</a:t>
+            </a:r>
+            <a:r>
+              <a:rPr lang="en-US" sz="1600" dirty="0" err="1">
+                <a:latin typeface="Calibri Light" charset="0"/>
+              </a:rPr>
+              <a:t>deltaRotation</a:t>
+            </a:r>
+            <a:r>
+              <a:rPr lang="en-US" sz="1600" dirty="0">
+                <a:latin typeface="Calibri Light" charset="0"/>
+              </a:rPr>
+              <a:t>);</a:t>
             </a:r>
             <a:br>
-              <a:rPr lang="en-US" sz="1600">
+              <a:rPr lang="en-US" sz="1600" dirty="0">
                 <a:latin typeface="Calibri Light" charset="0"/>
               </a:rPr>
             </a:br>
             <a:r>
-              <a:rPr lang="en-US" sz="1600">
+              <a:rPr lang="en-US" sz="1600" dirty="0">
                 <a:latin typeface="Calibri Light" charset="0"/>
               </a:rPr>
               <a:t/>
             </a:r>
             <a:br>
-              <a:rPr lang="en-US" sz="1600">
+              <a:rPr lang="en-US" sz="1600" dirty="0">
                 <a:latin typeface="Calibri Light" charset="0"/>
               </a:rPr>
             </a:br>
             <a:r>
-              <a:rPr lang="en-US" sz="1600">
-                <a:latin typeface="Calibri Light" charset="0"/>
-              </a:rPr>
-              <a:t>                    if (!Mouv.monEcouteurCouleur.getCouleur().nom</a:t>
+              <a:rPr lang="en-US" sz="1600" dirty="0">
+                <a:latin typeface="Calibri Light" charset="0"/>
+              </a:rPr>
+              <a:t>                    if (!</a:t>
+            </a:r>
+            <a:r>
+              <a:rPr lang="en-US" sz="1600" dirty="0" err="1">
+                <a:latin typeface="Calibri Light" charset="0"/>
+              </a:rPr>
+              <a:t>Mouv.monEcouteurCouleur.getCouleur</a:t>
+            </a:r>
+            <a:r>
+              <a:rPr lang="en-US" sz="1600" dirty="0">
+                <a:latin typeface="Calibri Light" charset="0"/>
+              </a:rPr>
+              <a:t>().nom</a:t>
             </a:r>
             <a:br>
-              <a:rPr lang="en-US" sz="1600">
+              <a:rPr lang="en-US" sz="1600" dirty="0">
                 <a:latin typeface="Calibri Light" charset="0"/>
               </a:rPr>
             </a:br>
             <a:r>
-              <a:rPr lang="en-US" sz="1600">
-                <a:latin typeface="Calibri Light" charset="0"/>
-              </a:rPr>
-              <a:t>                            .equals(couleurinitiale.getNom())) {</a:t>
+              <a:rPr lang="en-US" sz="1600" dirty="0">
+                <a:latin typeface="Calibri Light" charset="0"/>
+              </a:rPr>
+              <a:t>                            .equals(</a:t>
+            </a:r>
+            <a:r>
+              <a:rPr lang="en-US" sz="1600" dirty="0" err="1">
+                <a:latin typeface="Calibri Light" charset="0"/>
+              </a:rPr>
+              <a:t>couleurinitiale.getNom</a:t>
+            </a:r>
+            <a:r>
+              <a:rPr lang="en-US" sz="1600" dirty="0">
+                <a:latin typeface="Calibri Light" charset="0"/>
+              </a:rPr>
+              <a:t>())) {</a:t>
             </a:r>
             <a:br>
-              <a:rPr lang="en-US" sz="1600">
+              <a:rPr lang="en-US" sz="1600" dirty="0">
                 <a:latin typeface="Calibri Light" charset="0"/>
               </a:rPr>
             </a:br>
             <a:r>
-              <a:rPr lang="en-US" sz="1600">
+              <a:rPr lang="en-US" sz="1600" dirty="0">
                 <a:latin typeface="Calibri Light" charset="0"/>
               </a:rPr>
               <a:t/>
             </a:r>
             <a:br>
-              <a:rPr lang="en-US" sz="1600">
+              <a:rPr lang="en-US" sz="1600" dirty="0">
                 <a:latin typeface="Calibri Light" charset="0"/>
               </a:rPr>
             </a:br>
             <a:r>
-              <a:rPr lang="en-US" sz="1600">
-                <a:latin typeface="Calibri Light" charset="0"/>
-              </a:rPr>
-              <a:t>                        rotationDroite(deltaRot</a:t>
-            </a:r>
-            <a:r>
-              <a:rPr lang="en-US">
-                <a:latin typeface="Calibri Light" charset="0"/>
-              </a:rPr>
-              <a:t>ation);</a:t>
+              <a:rPr lang="en-US" sz="1600" dirty="0">
+                <a:latin typeface="Calibri Light" charset="0"/>
+              </a:rPr>
+              <a:t>                        </a:t>
+            </a:r>
+            <a:r>
+              <a:rPr lang="en-US" sz="1600" dirty="0" err="1">
+                <a:latin typeface="Calibri Light" charset="0"/>
+              </a:rPr>
+              <a:t>rotationDroite</a:t>
+            </a:r>
+            <a:r>
+              <a:rPr lang="en-US" sz="1600" dirty="0">
+                <a:latin typeface="Calibri Light" charset="0"/>
+              </a:rPr>
+              <a:t>(</a:t>
+            </a:r>
+            <a:r>
+              <a:rPr lang="en-US" sz="1600" dirty="0" err="1">
+                <a:latin typeface="Calibri Light" charset="0"/>
+              </a:rPr>
+              <a:t>deltaRot</a:t>
+            </a:r>
+            <a:r>
+              <a:rPr lang="en-US" dirty="0" err="1">
+                <a:latin typeface="Calibri Light" charset="0"/>
+              </a:rPr>
+              <a:t>ation</a:t>
+            </a:r>
+            <a:r>
+              <a:rPr lang="en-US" dirty="0">
+                <a:latin typeface="Calibri Light" charset="0"/>
+              </a:rPr>
+              <a:t>);</a:t>
             </a:r>
             <a:br>
-              <a:rPr lang="en-US">
+              <a:rPr lang="en-US" dirty="0">
                 <a:latin typeface="Calibri Light" charset="0"/>
               </a:rPr>
             </a:br>
             <a:r>
-              <a:rPr lang="en-US">
+              <a:rPr lang="en-US" dirty="0">
                 <a:latin typeface="Calibri Light" charset="0"/>
               </a:rPr>
               <a:t>                    }</a:t>
             </a:r>
             <a:br>
-              <a:rPr lang="en-US">
+              <a:rPr lang="en-US" dirty="0">
                 <a:latin typeface="Calibri Light" charset="0"/>
               </a:rPr>
             </a:br>
             <a:r>
-              <a:rPr lang="en-US">
+              <a:rPr lang="en-US" dirty="0">
                 <a:latin typeface="Calibri Light" charset="0"/>
               </a:rPr>
               <a:t/>
             </a:r>
             <a:br>
-              <a:rPr lang="en-US">
+              <a:rPr lang="en-US" dirty="0">
                 <a:latin typeface="Calibri Light" charset="0"/>
               </a:rPr>
             </a:br>
             <a:r>
-              <a:rPr lang="en-US">
+              <a:rPr lang="en-US" dirty="0">
                 <a:latin typeface="Calibri Light" charset="0"/>
               </a:rPr>
               <a:t>                </a:t>
             </a:r>
             <a:r>
-              <a:rPr lang="en-US"/>
+              <a:rPr lang="en-US" dirty="0"/>
               <a:t/>
             </a:r>
             <a:br>
-              <a:rPr lang="en-US"/>
+              <a:rPr lang="en-US" dirty="0"/>
             </a:br>
-            <a:endParaRPr lang="en-US"/>
+            <a:endParaRPr lang="en-US" dirty="0"/>
           </a:p>
         </p:txBody>
       </p:sp>
@@ -6827,133 +7099,217 @@
           <a:lstStyle/>
           <a:p>
             <a:r>
-              <a:rPr lang="en-US">
+              <a:rPr lang="en-US" dirty="0">
                 <a:latin typeface="Calibri Light" charset="0"/>
               </a:rPr>
               <a:t>else {</a:t>
             </a:r>
             <a:br>
-              <a:rPr lang="en-US">
+              <a:rPr lang="en-US" dirty="0">
                 <a:latin typeface="Calibri Light" charset="0"/>
               </a:rPr>
             </a:br>
             <a:r>
-              <a:rPr lang="en-US">
+              <a:rPr lang="en-US" dirty="0">
                 <a:latin typeface="Calibri Light" charset="0"/>
               </a:rPr>
               <a:t/>
             </a:r>
             <a:br>
-              <a:rPr lang="en-US">
+              <a:rPr lang="en-US" dirty="0">
                 <a:latin typeface="Calibri Light" charset="0"/>
               </a:rPr>
             </a:br>
             <a:r>
-              <a:rPr lang="en-US">
-                <a:latin typeface="Calibri Light" charset="0"/>
-              </a:rPr>
-              <a:t>                    rotationDroite(deltaRotation);</a:t>
+              <a:rPr lang="en-US" dirty="0">
+                <a:latin typeface="Calibri Light" charset="0"/>
+              </a:rPr>
+              <a:t>                    </a:t>
+            </a:r>
+            <a:r>
+              <a:rPr lang="en-US" dirty="0" err="1">
+                <a:latin typeface="Calibri Light" charset="0"/>
+              </a:rPr>
+              <a:t>rotationDroite</a:t>
+            </a:r>
+            <a:r>
+              <a:rPr lang="en-US" dirty="0">
+                <a:latin typeface="Calibri Light" charset="0"/>
+              </a:rPr>
+              <a:t>(</a:t>
+            </a:r>
+            <a:r>
+              <a:rPr lang="en-US" dirty="0" err="1">
+                <a:latin typeface="Calibri Light" charset="0"/>
+              </a:rPr>
+              <a:t>deltaRotation</a:t>
+            </a:r>
+            <a:r>
+              <a:rPr lang="en-US" dirty="0">
+                <a:latin typeface="Calibri Light" charset="0"/>
+              </a:rPr>
+              <a:t>);</a:t>
             </a:r>
             <a:br>
-              <a:rPr lang="en-US">
+              <a:rPr lang="en-US" dirty="0">
                 <a:latin typeface="Calibri Light" charset="0"/>
               </a:rPr>
             </a:br>
             <a:r>
-              <a:rPr lang="en-US">
-                <a:latin typeface="Calibri Light" charset="0"/>
-              </a:rPr>
-              <a:t>                    if (!Mouv.monEcouteurCouleur.getCouleur().nom</a:t>
+              <a:rPr lang="en-US" dirty="0">
+                <a:latin typeface="Calibri Light" charset="0"/>
+              </a:rPr>
+              <a:t>                    if (!</a:t>
+            </a:r>
+            <a:r>
+              <a:rPr lang="en-US" dirty="0" err="1">
+                <a:latin typeface="Calibri Light" charset="0"/>
+              </a:rPr>
+              <a:t>Mouv.monEcouteurCouleur.getCouleur</a:t>
+            </a:r>
+            <a:r>
+              <a:rPr lang="en-US" dirty="0">
+                <a:latin typeface="Calibri Light" charset="0"/>
+              </a:rPr>
+              <a:t>().nom</a:t>
             </a:r>
             <a:br>
-              <a:rPr lang="en-US">
+              <a:rPr lang="en-US" dirty="0">
                 <a:latin typeface="Calibri Light" charset="0"/>
               </a:rPr>
             </a:br>
             <a:r>
-              <a:rPr lang="en-US">
-                <a:latin typeface="Calibri Light" charset="0"/>
-              </a:rPr>
-              <a:t>                            .equals(couleurinitiale.getNom())) {</a:t>
+              <a:rPr lang="en-US" dirty="0">
+                <a:latin typeface="Calibri Light" charset="0"/>
+              </a:rPr>
+              <a:t>                            .equals(</a:t>
+            </a:r>
+            <a:r>
+              <a:rPr lang="en-US" dirty="0" err="1">
+                <a:latin typeface="Calibri Light" charset="0"/>
+              </a:rPr>
+              <a:t>couleurinitiale.getNom</a:t>
+            </a:r>
+            <a:r>
+              <a:rPr lang="en-US" dirty="0">
+                <a:latin typeface="Calibri Light" charset="0"/>
+              </a:rPr>
+              <a:t>())) {</a:t>
             </a:r>
             <a:br>
-              <a:rPr lang="en-US">
+              <a:rPr lang="en-US" dirty="0">
                 <a:latin typeface="Calibri Light" charset="0"/>
               </a:rPr>
             </a:br>
             <a:r>
-              <a:rPr lang="en-US">
-                <a:latin typeface="Calibri Light" charset="0"/>
-              </a:rPr>
-              <a:t>                        rotationGauche(deltaRotation);</a:t>
+              <a:rPr lang="en-US" dirty="0">
+                <a:latin typeface="Calibri Light" charset="0"/>
+              </a:rPr>
+              <a:t>                        </a:t>
+            </a:r>
+            <a:r>
+              <a:rPr lang="en-US" dirty="0" err="1">
+                <a:latin typeface="Calibri Light" charset="0"/>
+              </a:rPr>
+              <a:t>rotationGauche</a:t>
+            </a:r>
+            <a:r>
+              <a:rPr lang="en-US" dirty="0">
+                <a:latin typeface="Calibri Light" charset="0"/>
+              </a:rPr>
+              <a:t>(</a:t>
+            </a:r>
+            <a:r>
+              <a:rPr lang="en-US" dirty="0" err="1">
+                <a:latin typeface="Calibri Light" charset="0"/>
+              </a:rPr>
+              <a:t>deltaRotation</a:t>
+            </a:r>
+            <a:r>
+              <a:rPr lang="en-US" dirty="0">
+                <a:latin typeface="Calibri Light" charset="0"/>
+              </a:rPr>
+              <a:t>);</a:t>
             </a:r>
             <a:br>
-              <a:rPr lang="en-US">
+              <a:rPr lang="en-US" dirty="0">
                 <a:latin typeface="Calibri Light" charset="0"/>
               </a:rPr>
             </a:br>
             <a:r>
-              <a:rPr lang="en-US">
+              <a:rPr lang="en-US" dirty="0">
                 <a:latin typeface="Calibri Light" charset="0"/>
               </a:rPr>
               <a:t>                    }</a:t>
             </a:r>
             <a:br>
-              <a:rPr lang="en-US">
+              <a:rPr lang="en-US" dirty="0">
                 <a:latin typeface="Calibri Light" charset="0"/>
               </a:rPr>
             </a:br>
             <a:r>
-              <a:rPr lang="en-US">
+              <a:rPr lang="en-US" dirty="0">
                 <a:latin typeface="Calibri Light" charset="0"/>
               </a:rPr>
               <a:t/>
             </a:r>
             <a:br>
-              <a:rPr lang="en-US">
+              <a:rPr lang="en-US" dirty="0">
                 <a:latin typeface="Calibri Light" charset="0"/>
               </a:rPr>
             </a:br>
             <a:r>
-              <a:rPr lang="en-US">
+              <a:rPr lang="en-US" dirty="0">
                 <a:latin typeface="Calibri Light" charset="0"/>
               </a:rPr>
               <a:t>                }</a:t>
             </a:r>
             <a:br>
-              <a:rPr lang="en-US">
+              <a:rPr lang="en-US" dirty="0">
                 <a:latin typeface="Calibri Light" charset="0"/>
               </a:rPr>
             </a:br>
             <a:r>
-              <a:rPr lang="en-US">
-                <a:latin typeface="Calibri Light" charset="0"/>
-              </a:rPr>
-              <a:t>                deltaRotation += 2;</a:t>
+              <a:rPr lang="en-US" dirty="0">
+                <a:latin typeface="Calibri Light" charset="0"/>
+              </a:rPr>
+              <a:t>                </a:t>
+            </a:r>
+            <a:r>
+              <a:rPr lang="en-US" dirty="0" err="1">
+                <a:latin typeface="Calibri Light" charset="0"/>
+              </a:rPr>
+              <a:t>deltaRotation</a:t>
+            </a:r>
+            <a:r>
+              <a:rPr lang="en-US" dirty="0">
+                <a:latin typeface="Calibri Light" charset="0"/>
+              </a:rPr>
+              <a:t> += 2;</a:t>
             </a:r>
             <a:br>
-              <a:rPr lang="en-US">
+              <a:rPr lang="en-US" dirty="0">
                 <a:latin typeface="Calibri Light" charset="0"/>
               </a:rPr>
             </a:br>
             <a:r>
-              <a:rPr lang="en-US">
+              <a:rPr lang="en-US" dirty="0">
                 <a:latin typeface="Calibri Light" charset="0"/>
               </a:rPr>
               <a:t>                gauche = !gauche;</a:t>
             </a:r>
             <a:br>
-              <a:rPr lang="en-US">
+              <a:rPr lang="en-US" dirty="0">
                 <a:latin typeface="Calibri Light" charset="0"/>
               </a:rPr>
             </a:br>
             <a:r>
-              <a:rPr lang="en-US">
+              <a:rPr lang="en-US" dirty="0">
                 <a:latin typeface="Calibri Light" charset="0"/>
               </a:rPr>
               <a:t>            }</a:t>
             </a:r>
-            <a:endParaRPr lang="en-US"/>
+            <a:endParaRPr lang="en-US" dirty="0"/>
           </a:p>
         </p:txBody>
       </p:sp>
@@ -7523,15 +7879,6 @@
 </file>
 
 <file path=customXml/item1.xml><?xml version="1.0" encoding="utf-8"?>
-<?mso-contentType ?>
-<FormTemplates xmlns="http://schemas.microsoft.com/sharepoint/v3/contenttype/forms">
-  <Display>DocumentLibraryForm</Display>
-  <Edit>DocumentLibraryForm</Edit>
-  <New>DocumentLibraryForm</New>
-</FormTemplates>
-</file>
-
-<file path=customXml/item2.xml><?xml version="1.0" encoding="utf-8"?>
 <ct:contentTypeSchema xmlns:ct="http://schemas.microsoft.com/office/2006/metadata/contentType" xmlns:ma="http://schemas.microsoft.com/office/2006/metadata/properties/metaAttributes" ct:_="" ma:_="" ma:contentTypeName="Document" ma:contentTypeID="0x0101007C1D5F340F01F94FA2FD29A5E6DC872E" ma:contentTypeVersion="0" ma:contentTypeDescription="Create a new document." ma:contentTypeScope="" ma:versionID="f583bd66513a361a730282b6a794e352">
   <xsd:schema xmlns:xsd="http://www.w3.org/2001/XMLSchema" xmlns:xs="http://www.w3.org/2001/XMLSchema" xmlns:p="http://schemas.microsoft.com/office/2006/metadata/properties" targetNamespace="http://schemas.microsoft.com/office/2006/metadata/properties" ma:root="true" ma:fieldsID="6841151cf538834e171094e4faaf2d73">
     <xsd:element name="properties">
@@ -7645,6 +7992,15 @@
 </ct:contentTypeSchema>
 </file>
 
+<file path=customXml/item2.xml><?xml version="1.0" encoding="utf-8"?>
+<?mso-contentType ?>
+<FormTemplates xmlns="http://schemas.microsoft.com/sharepoint/v3/contenttype/forms">
+  <Display>DocumentLibraryForm</Display>
+  <Edit>DocumentLibraryForm</Edit>
+  <New>DocumentLibraryForm</New>
+</FormTemplates>
+</file>
+
 <file path=customXml/item3.xml><?xml version="1.0" encoding="utf-8"?>
 <p:properties xmlns:p="http://schemas.microsoft.com/office/2006/metadata/properties" xmlns:xsi="http://www.w3.org/2001/XMLSchema-instance" xmlns:pc="http://schemas.microsoft.com/office/infopath/2007/PartnerControls">
   <documentManagement/>
@@ -7652,14 +8008,6 @@
 </file>
 
 <file path=customXml/itemProps1.xml><?xml version="1.0" encoding="utf-8"?>
-<ds:datastoreItem xmlns:ds="http://schemas.openxmlformats.org/officeDocument/2006/customXml" ds:itemID="{76B64549-C1F2-49EA-8B2D-5EF61BF1CE56}">
-  <ds:schemaRefs>
-    <ds:schemaRef ds:uri="http://schemas.microsoft.com/sharepoint/v3/contenttype/forms"/>
-  </ds:schemaRefs>
-</ds:datastoreItem>
-</file>
-
-<file path=customXml/itemProps2.xml><?xml version="1.0" encoding="utf-8"?>
 <ds:datastoreItem xmlns:ds="http://schemas.openxmlformats.org/officeDocument/2006/customXml" ds:itemID="{29F17D79-05FE-43C7-A9B5-360E9D6B5ACC}">
   <ds:schemaRefs>
     <ds:schemaRef ds:uri="http://schemas.microsoft.com/office/2006/metadata/contentType"/>
@@ -7675,17 +8023,25 @@
 </ds:datastoreItem>
 </file>
 
+<file path=customXml/itemProps2.xml><?xml version="1.0" encoding="utf-8"?>
+<ds:datastoreItem xmlns:ds="http://schemas.openxmlformats.org/officeDocument/2006/customXml" ds:itemID="{76B64549-C1F2-49EA-8B2D-5EF61BF1CE56}">
+  <ds:schemaRefs>
+    <ds:schemaRef ds:uri="http://schemas.microsoft.com/sharepoint/v3/contenttype/forms"/>
+  </ds:schemaRefs>
+</ds:datastoreItem>
+</file>
+
 <file path=customXml/itemProps3.xml><?xml version="1.0" encoding="utf-8"?>
 <ds:datastoreItem xmlns:ds="http://schemas.openxmlformats.org/officeDocument/2006/customXml" ds:itemID="{FF71E0A8-DA6F-4DC5-84AA-9AE90625C277}">
   <ds:schemaRefs>
+    <ds:schemaRef ds:uri="http://purl.org/dc/terms/"/>
     <ds:schemaRef ds:uri="http://www.w3.org/XML/1998/namespace"/>
+    <ds:schemaRef ds:uri="http://purl.org/dc/dcmitype/"/>
+    <ds:schemaRef ds:uri="http://schemas.microsoft.com/office/2006/metadata/properties"/>
+    <ds:schemaRef ds:uri="http://schemas.openxmlformats.org/package/2006/metadata/core-properties"/>
+    <ds:schemaRef ds:uri="http://schemas.microsoft.com/office/2006/documentManagement/types"/>
+    <ds:schemaRef ds:uri="http://schemas.microsoft.com/office/infopath/2007/PartnerControls"/>
     <ds:schemaRef ds:uri="http://purl.org/dc/elements/1.1/"/>
-    <ds:schemaRef ds:uri="http://purl.org/dc/dcmitype/"/>
-    <ds:schemaRef ds:uri="http://schemas.microsoft.com/office/2006/documentManagement/types"/>
-    <ds:schemaRef ds:uri="http://purl.org/dc/terms/"/>
-    <ds:schemaRef ds:uri="http://schemas.openxmlformats.org/package/2006/metadata/core-properties"/>
-    <ds:schemaRef ds:uri="http://schemas.microsoft.com/office/infopath/2007/PartnerControls"/>
-    <ds:schemaRef ds:uri="http://schemas.microsoft.com/office/2006/metadata/properties"/>
   </ds:schemaRefs>
 </ds:datastoreItem>
 </file>